--- a/public/Presentation-template.pptx
+++ b/public/Presentation-template.pptx
@@ -270,7 +270,7 @@
           <a:p>
             <a:fld id="{EFF0ECD6-A38F-4ABD-97C4-A7CE952D385A}" type="datetimeFigureOut">
               <a:rPr lang="en-IN" smtClean="0"/>
-              <a:t>10-02-2025</a:t>
+              <a:t>06-03-2025</a:t>
             </a:fld>
             <a:endParaRPr lang="en-IN"/>
           </a:p>
@@ -470,7 +470,7 @@
           <a:p>
             <a:fld id="{EFF0ECD6-A38F-4ABD-97C4-A7CE952D385A}" type="datetimeFigureOut">
               <a:rPr lang="en-IN" smtClean="0"/>
-              <a:t>10-02-2025</a:t>
+              <a:t>06-03-2025</a:t>
             </a:fld>
             <a:endParaRPr lang="en-IN"/>
           </a:p>
@@ -680,7 +680,7 @@
           <a:p>
             <a:fld id="{EFF0ECD6-A38F-4ABD-97C4-A7CE952D385A}" type="datetimeFigureOut">
               <a:rPr lang="en-IN" smtClean="0"/>
-              <a:t>10-02-2025</a:t>
+              <a:t>06-03-2025</a:t>
             </a:fld>
             <a:endParaRPr lang="en-IN"/>
           </a:p>
@@ -880,7 +880,7 @@
           <a:p>
             <a:fld id="{EFF0ECD6-A38F-4ABD-97C4-A7CE952D385A}" type="datetimeFigureOut">
               <a:rPr lang="en-IN" smtClean="0"/>
-              <a:t>10-02-2025</a:t>
+              <a:t>06-03-2025</a:t>
             </a:fld>
             <a:endParaRPr lang="en-IN"/>
           </a:p>
@@ -1156,7 +1156,7 @@
           <a:p>
             <a:fld id="{EFF0ECD6-A38F-4ABD-97C4-A7CE952D385A}" type="datetimeFigureOut">
               <a:rPr lang="en-IN" smtClean="0"/>
-              <a:t>10-02-2025</a:t>
+              <a:t>06-03-2025</a:t>
             </a:fld>
             <a:endParaRPr lang="en-IN"/>
           </a:p>
@@ -1424,7 +1424,7 @@
           <a:p>
             <a:fld id="{EFF0ECD6-A38F-4ABD-97C4-A7CE952D385A}" type="datetimeFigureOut">
               <a:rPr lang="en-IN" smtClean="0"/>
-              <a:t>10-02-2025</a:t>
+              <a:t>06-03-2025</a:t>
             </a:fld>
             <a:endParaRPr lang="en-IN"/>
           </a:p>
@@ -1839,7 +1839,7 @@
           <a:p>
             <a:fld id="{EFF0ECD6-A38F-4ABD-97C4-A7CE952D385A}" type="datetimeFigureOut">
               <a:rPr lang="en-IN" smtClean="0"/>
-              <a:t>10-02-2025</a:t>
+              <a:t>06-03-2025</a:t>
             </a:fld>
             <a:endParaRPr lang="en-IN"/>
           </a:p>
@@ -1981,7 +1981,7 @@
           <a:p>
             <a:fld id="{EFF0ECD6-A38F-4ABD-97C4-A7CE952D385A}" type="datetimeFigureOut">
               <a:rPr lang="en-IN" smtClean="0"/>
-              <a:t>10-02-2025</a:t>
+              <a:t>06-03-2025</a:t>
             </a:fld>
             <a:endParaRPr lang="en-IN"/>
           </a:p>
@@ -2094,7 +2094,7 @@
           <a:p>
             <a:fld id="{EFF0ECD6-A38F-4ABD-97C4-A7CE952D385A}" type="datetimeFigureOut">
               <a:rPr lang="en-IN" smtClean="0"/>
-              <a:t>10-02-2025</a:t>
+              <a:t>06-03-2025</a:t>
             </a:fld>
             <a:endParaRPr lang="en-IN"/>
           </a:p>
@@ -2407,7 +2407,7 @@
           <a:p>
             <a:fld id="{EFF0ECD6-A38F-4ABD-97C4-A7CE952D385A}" type="datetimeFigureOut">
               <a:rPr lang="en-IN" smtClean="0"/>
-              <a:t>10-02-2025</a:t>
+              <a:t>06-03-2025</a:t>
             </a:fld>
             <a:endParaRPr lang="en-IN"/>
           </a:p>
@@ -2700,7 +2700,7 @@
           <a:p>
             <a:fld id="{EFF0ECD6-A38F-4ABD-97C4-A7CE952D385A}" type="datetimeFigureOut">
               <a:rPr lang="en-IN" smtClean="0"/>
-              <a:t>10-02-2025</a:t>
+              <a:t>06-03-2025</a:t>
             </a:fld>
             <a:endParaRPr lang="en-IN"/>
           </a:p>
@@ -2943,7 +2943,7 @@
           <a:p>
             <a:fld id="{EFF0ECD6-A38F-4ABD-97C4-A7CE952D385A}" type="datetimeFigureOut">
               <a:rPr lang="en-IN" smtClean="0"/>
-              <a:t>10-02-2025</a:t>
+              <a:t>06-03-2025</a:t>
             </a:fld>
             <a:endParaRPr lang="en-IN"/>
           </a:p>
@@ -3387,7 +3387,7 @@
         </p:blipFill>
         <p:spPr bwMode="auto">
           <a:xfrm>
-            <a:off x="10755697" y="45409"/>
+            <a:off x="1584118" y="110710"/>
             <a:ext cx="1257713" cy="1068712"/>
           </a:xfrm>
           <a:prstGeom prst="rect">
@@ -3448,47 +3448,6 @@
           </a:extLst>
         </p:spPr>
       </p:pic>
-      <p:pic>
-        <p:nvPicPr>
-          <p:cNvPr id="6" name="Picture 5" descr="Vellore Institute of Technology - Wikipedia">
-            <a:extLst>
-              <a:ext uri="{FF2B5EF4-FFF2-40B4-BE49-F238E27FC236}">
-                <a16:creationId xmlns:a16="http://schemas.microsoft.com/office/drawing/2014/main" id="{0B5CA4A9-6D8C-D9AA-4EA6-575E12981E48}"/>
-              </a:ext>
-            </a:extLst>
-          </p:cNvPr>
-          <p:cNvPicPr>
-            <a:picLocks noChangeAspect="1"/>
-          </p:cNvPicPr>
-          <p:nvPr/>
-        </p:nvPicPr>
-        <p:blipFill>
-          <a:blip r:embed="rId4">
-            <a:extLst>
-              <a:ext uri="{28A0092B-C50C-407E-A947-70E740481C1C}">
-                <a14:useLocalDpi xmlns:a14="http://schemas.microsoft.com/office/drawing/2010/main" val="0"/>
-              </a:ext>
-            </a:extLst>
-          </a:blip>
-          <a:srcRect/>
-          <a:stretch>
-            <a:fillRect/>
-          </a:stretch>
-        </p:blipFill>
-        <p:spPr bwMode="auto">
-          <a:xfrm>
-            <a:off x="95041" y="5628192"/>
-            <a:ext cx="1079015" cy="1134013"/>
-          </a:xfrm>
-          <a:prstGeom prst="rect">
-            <a:avLst/>
-          </a:prstGeom>
-          <a:noFill/>
-          <a:ln>
-            <a:noFill/>
-          </a:ln>
-        </p:spPr>
-      </p:pic>
       <p:sp>
         <p:nvSpPr>
           <p:cNvPr id="7" name="Rectangle 6">
@@ -3503,7 +3462,7 @@
         </p:nvSpPr>
         <p:spPr>
           <a:xfrm>
-            <a:off x="1090236" y="6101823"/>
+            <a:off x="-45144" y="6142638"/>
             <a:ext cx="2454047" cy="400110"/>
           </a:xfrm>
           <a:prstGeom prst="rect">
@@ -3585,10 +3544,237 @@
       </p:sp>
       <p:sp>
         <p:nvSpPr>
-          <p:cNvPr id="8" name="Rectangle 7">
-            <a:extLst>
-              <a:ext uri="{FF2B5EF4-FFF2-40B4-BE49-F238E27FC236}">
-                <a16:creationId xmlns:a16="http://schemas.microsoft.com/office/drawing/2014/main" id="{25484094-E118-0120-17E0-92887375B6C5}"/>
+          <p:cNvPr id="9" name="TextBox 8">
+            <a:extLst>
+              <a:ext uri="{FF2B5EF4-FFF2-40B4-BE49-F238E27FC236}">
+                <a16:creationId xmlns:a16="http://schemas.microsoft.com/office/drawing/2014/main" id="{0A0EEE10-DA01-48D1-1CC4-51881CF25E49}"/>
+              </a:ext>
+            </a:extLst>
+          </p:cNvPr>
+          <p:cNvSpPr txBox="1"/>
+          <p:nvPr/>
+        </p:nvSpPr>
+        <p:spPr>
+          <a:xfrm>
+            <a:off x="3544283" y="6358082"/>
+            <a:ext cx="6459793" cy="369332"/>
+          </a:xfrm>
+          <a:prstGeom prst="rect">
+            <a:avLst/>
+          </a:prstGeom>
+          <a:noFill/>
+        </p:spPr>
+        <p:txBody>
+          <a:bodyPr wrap="square" rtlCol="0">
+            <a:spAutoFit/>
+          </a:bodyPr>
+          <a:lstStyle/>
+          <a:p>
+            <a:r>
+              <a:rPr lang="en-IN" dirty="0">
+                <a:latin typeface="Times New Roman" panose="02020603050405020304" pitchFamily="18" charset="0"/>
+                <a:cs typeface="Times New Roman" panose="02020603050405020304" pitchFamily="18" charset="0"/>
+              </a:rPr>
+              <a:t>Venue: Vellore Institute of Technology, Vellore, Tamil Nadu</a:t>
+            </a:r>
+          </a:p>
+        </p:txBody>
+      </p:sp>
+      <p:sp>
+        <p:nvSpPr>
+          <p:cNvPr id="10" name="TextBox 9">
+            <a:extLst>
+              <a:ext uri="{FF2B5EF4-FFF2-40B4-BE49-F238E27FC236}">
+                <a16:creationId xmlns:a16="http://schemas.microsoft.com/office/drawing/2014/main" id="{CF647DF2-AD77-0B35-A611-B1E451F96BA9}"/>
+              </a:ext>
+            </a:extLst>
+          </p:cNvPr>
+          <p:cNvSpPr txBox="1"/>
+          <p:nvPr/>
+        </p:nvSpPr>
+        <p:spPr>
+          <a:xfrm>
+            <a:off x="3948146" y="412360"/>
+            <a:ext cx="2851355" cy="400110"/>
+          </a:xfrm>
+          <a:prstGeom prst="rect">
+            <a:avLst/>
+          </a:prstGeom>
+        </p:spPr>
+        <p:style>
+          <a:lnRef idx="2">
+            <a:schemeClr val="dk1"/>
+          </a:lnRef>
+          <a:fillRef idx="1">
+            <a:schemeClr val="lt1"/>
+          </a:fillRef>
+          <a:effectRef idx="0">
+            <a:schemeClr val="dk1"/>
+          </a:effectRef>
+          <a:fontRef idx="minor">
+            <a:schemeClr val="dk1"/>
+          </a:fontRef>
+        </p:style>
+        <p:txBody>
+          <a:bodyPr wrap="square" rtlCol="0">
+            <a:spAutoFit/>
+          </a:bodyPr>
+          <a:lstStyle/>
+          <a:p>
+            <a:pPr algn="ctr"/>
+            <a:r>
+              <a:rPr lang="en-IN" sz="2000" b="1" dirty="0">
+                <a:solidFill>
+                  <a:srgbClr val="002060"/>
+                </a:solidFill>
+                <a:latin typeface="Times New Roman" panose="02020603050405020304" pitchFamily="18" charset="0"/>
+                <a:cs typeface="Times New Roman" panose="02020603050405020304" pitchFamily="18" charset="0"/>
+              </a:rPr>
+              <a:t>Abstract I.D.</a:t>
+            </a:r>
+            <a:endParaRPr lang="en-IN" b="1" dirty="0">
+              <a:solidFill>
+                <a:srgbClr val="002060"/>
+              </a:solidFill>
+              <a:latin typeface="Times New Roman" panose="02020603050405020304" pitchFamily="18" charset="0"/>
+              <a:cs typeface="Times New Roman" panose="02020603050405020304" pitchFamily="18" charset="0"/>
+            </a:endParaRPr>
+          </a:p>
+        </p:txBody>
+      </p:sp>
+      <p:sp>
+        <p:nvSpPr>
+          <p:cNvPr id="11" name="TextBox 10">
+            <a:extLst>
+              <a:ext uri="{FF2B5EF4-FFF2-40B4-BE49-F238E27FC236}">
+                <a16:creationId xmlns:a16="http://schemas.microsoft.com/office/drawing/2014/main" id="{1A78517E-AF51-0EDF-B0F6-134EFC633922}"/>
+              </a:ext>
+            </a:extLst>
+          </p:cNvPr>
+          <p:cNvSpPr txBox="1"/>
+          <p:nvPr/>
+        </p:nvSpPr>
+        <p:spPr>
+          <a:xfrm>
+            <a:off x="4489240" y="2489606"/>
+            <a:ext cx="2743201" cy="830997"/>
+          </a:xfrm>
+          <a:prstGeom prst="rect">
+            <a:avLst/>
+          </a:prstGeom>
+          <a:noFill/>
+        </p:spPr>
+        <p:txBody>
+          <a:bodyPr wrap="square" rtlCol="0">
+            <a:spAutoFit/>
+          </a:bodyPr>
+          <a:lstStyle/>
+          <a:p>
+            <a:r>
+              <a:rPr lang="en-IN" sz="4800" dirty="0">
+                <a:latin typeface="Times New Roman" panose="02020603050405020304" pitchFamily="18" charset="0"/>
+                <a:cs typeface="Times New Roman" panose="02020603050405020304" pitchFamily="18" charset="0"/>
+              </a:rPr>
+              <a:t>Title Slide</a:t>
+            </a:r>
+          </a:p>
+        </p:txBody>
+      </p:sp>
+      <p:sp>
+        <p:nvSpPr>
+          <p:cNvPr id="12" name="TextBox 11">
+            <a:extLst>
+              <a:ext uri="{FF2B5EF4-FFF2-40B4-BE49-F238E27FC236}">
+                <a16:creationId xmlns:a16="http://schemas.microsoft.com/office/drawing/2014/main" id="{FDBEE282-9716-2B9F-AF62-2BA6384EC4E1}"/>
+              </a:ext>
+            </a:extLst>
+          </p:cNvPr>
+          <p:cNvSpPr txBox="1"/>
+          <p:nvPr/>
+        </p:nvSpPr>
+        <p:spPr>
+          <a:xfrm>
+            <a:off x="634548" y="3916012"/>
+            <a:ext cx="6344237" cy="923330"/>
+          </a:xfrm>
+          <a:prstGeom prst="rect">
+            <a:avLst/>
+          </a:prstGeom>
+          <a:noFill/>
+        </p:spPr>
+        <p:txBody>
+          <a:bodyPr wrap="none" rtlCol="0">
+            <a:spAutoFit/>
+          </a:bodyPr>
+          <a:lstStyle/>
+          <a:p>
+            <a:r>
+              <a:rPr lang="en-IN" dirty="0"/>
+              <a:t>Instructions:</a:t>
+            </a:r>
+          </a:p>
+          <a:p>
+            <a:pPr marL="342900" indent="-342900">
+              <a:buAutoNum type="arabicParenR"/>
+            </a:pPr>
+            <a:r>
+              <a:rPr lang="en-IN" dirty="0"/>
+              <a:t>Presentation time is 10 mins and followed by 2-3 mins of Q/A.</a:t>
+            </a:r>
+          </a:p>
+          <a:p>
+            <a:pPr marL="342900" indent="-342900">
+              <a:buAutoNum type="arabicParenR"/>
+            </a:pPr>
+            <a:r>
+              <a:rPr lang="en-IN" dirty="0"/>
+              <a:t>All text must be in Times New roman.</a:t>
+            </a:r>
+          </a:p>
+        </p:txBody>
+      </p:sp>
+      <p:pic>
+        <p:nvPicPr>
+          <p:cNvPr id="3" name="Picture 2">
+            <a:extLst>
+              <a:ext uri="{FF2B5EF4-FFF2-40B4-BE49-F238E27FC236}">
+                <a16:creationId xmlns:a16="http://schemas.microsoft.com/office/drawing/2014/main" id="{AB94900B-63C5-C6D0-4678-946BECCB314A}"/>
+              </a:ext>
+            </a:extLst>
+          </p:cNvPr>
+          <p:cNvPicPr>
+            <a:picLocks noChangeAspect="1"/>
+          </p:cNvPicPr>
+          <p:nvPr/>
+        </p:nvPicPr>
+        <p:blipFill>
+          <a:blip r:embed="rId4">
+            <a:extLst>
+              <a:ext uri="{28A0092B-C50C-407E-A947-70E740481C1C}">
+                <a14:useLocalDpi xmlns:a14="http://schemas.microsoft.com/office/drawing/2010/main" val="0"/>
+              </a:ext>
+            </a:extLst>
+          </a:blip>
+          <a:stretch>
+            <a:fillRect/>
+          </a:stretch>
+        </p:blipFill>
+        <p:spPr>
+          <a:xfrm>
+            <a:off x="7366929" y="-244989"/>
+            <a:ext cx="4688120" cy="1965634"/>
+          </a:xfrm>
+          <a:prstGeom prst="rect">
+            <a:avLst/>
+          </a:prstGeom>
+        </p:spPr>
+      </p:pic>
+      <p:sp>
+        <p:nvSpPr>
+          <p:cNvPr id="14" name="Rectangle 13">
+            <a:extLst>
+              <a:ext uri="{FF2B5EF4-FFF2-40B4-BE49-F238E27FC236}">
+                <a16:creationId xmlns:a16="http://schemas.microsoft.com/office/drawing/2014/main" id="{C1EBC0DC-3FA8-9951-3E7B-1FB60AE1721E}"/>
               </a:ext>
             </a:extLst>
           </p:cNvPr>
@@ -3597,8 +3783,8 @@
         </p:nvSpPr>
         <p:spPr>
           <a:xfrm>
-            <a:off x="3544283" y="6358082"/>
-            <a:ext cx="8510766" cy="45719"/>
+            <a:off x="2399070" y="6358082"/>
+            <a:ext cx="9705139" cy="45719"/>
           </a:xfrm>
           <a:prstGeom prst="rect">
             <a:avLst/>
@@ -3627,197 +3813,6 @@
           <a:p>
             <a:pPr algn="ctr"/>
             <a:endParaRPr lang="en-IN" baseline="-25000" dirty="0"/>
-          </a:p>
-        </p:txBody>
-      </p:sp>
-      <p:sp>
-        <p:nvSpPr>
-          <p:cNvPr id="9" name="TextBox 8">
-            <a:extLst>
-              <a:ext uri="{FF2B5EF4-FFF2-40B4-BE49-F238E27FC236}">
-                <a16:creationId xmlns:a16="http://schemas.microsoft.com/office/drawing/2014/main" id="{0A0EEE10-DA01-48D1-1CC4-51881CF25E49}"/>
-              </a:ext>
-            </a:extLst>
-          </p:cNvPr>
-          <p:cNvSpPr txBox="1"/>
-          <p:nvPr/>
-        </p:nvSpPr>
-        <p:spPr>
-          <a:xfrm>
-            <a:off x="3544283" y="6358082"/>
-            <a:ext cx="6459793" cy="369332"/>
-          </a:xfrm>
-          <a:prstGeom prst="rect">
-            <a:avLst/>
-          </a:prstGeom>
-          <a:noFill/>
-        </p:spPr>
-        <p:txBody>
-          <a:bodyPr wrap="square" rtlCol="0">
-            <a:spAutoFit/>
-          </a:bodyPr>
-          <a:lstStyle/>
-          <a:p>
-            <a:r>
-              <a:rPr lang="en-IN" dirty="0">
-                <a:latin typeface="Times New Roman" panose="02020603050405020304" pitchFamily="18" charset="0"/>
-                <a:cs typeface="Times New Roman" panose="02020603050405020304" pitchFamily="18" charset="0"/>
-              </a:rPr>
-              <a:t>Venue: Vellore Institute of Technology, Vellore, Tamil Nadu</a:t>
-            </a:r>
-          </a:p>
-        </p:txBody>
-      </p:sp>
-      <p:sp>
-        <p:nvSpPr>
-          <p:cNvPr id="10" name="TextBox 9">
-            <a:extLst>
-              <a:ext uri="{FF2B5EF4-FFF2-40B4-BE49-F238E27FC236}">
-                <a16:creationId xmlns:a16="http://schemas.microsoft.com/office/drawing/2014/main" id="{CF647DF2-AD77-0B35-A611-B1E451F96BA9}"/>
-              </a:ext>
-            </a:extLst>
-          </p:cNvPr>
-          <p:cNvSpPr txBox="1"/>
-          <p:nvPr/>
-        </p:nvSpPr>
-        <p:spPr>
-          <a:xfrm>
-            <a:off x="4435164" y="267703"/>
-            <a:ext cx="2851355" cy="400110"/>
-          </a:xfrm>
-          <a:prstGeom prst="rect">
-            <a:avLst/>
-          </a:prstGeom>
-        </p:spPr>
-        <p:style>
-          <a:lnRef idx="2">
-            <a:schemeClr val="dk1"/>
-          </a:lnRef>
-          <a:fillRef idx="1">
-            <a:schemeClr val="lt1"/>
-          </a:fillRef>
-          <a:effectRef idx="0">
-            <a:schemeClr val="dk1"/>
-          </a:effectRef>
-          <a:fontRef idx="minor">
-            <a:schemeClr val="dk1"/>
-          </a:fontRef>
-        </p:style>
-        <p:txBody>
-          <a:bodyPr wrap="square" rtlCol="0">
-            <a:spAutoFit/>
-          </a:bodyPr>
-          <a:lstStyle/>
-          <a:p>
-            <a:pPr algn="ctr"/>
-            <a:r>
-              <a:rPr lang="en-IN" sz="2000" b="1" dirty="0">
-                <a:solidFill>
-                  <a:srgbClr val="002060"/>
-                </a:solidFill>
-                <a:latin typeface="Times New Roman" panose="02020603050405020304" pitchFamily="18" charset="0"/>
-                <a:cs typeface="Times New Roman" panose="02020603050405020304" pitchFamily="18" charset="0"/>
-              </a:rPr>
-              <a:t>Abstract I.D.</a:t>
-            </a:r>
-            <a:endParaRPr lang="en-IN" b="1" dirty="0">
-              <a:solidFill>
-                <a:srgbClr val="002060"/>
-              </a:solidFill>
-              <a:latin typeface="Times New Roman" panose="02020603050405020304" pitchFamily="18" charset="0"/>
-              <a:cs typeface="Times New Roman" panose="02020603050405020304" pitchFamily="18" charset="0"/>
-            </a:endParaRPr>
-          </a:p>
-        </p:txBody>
-      </p:sp>
-      <p:sp>
-        <p:nvSpPr>
-          <p:cNvPr id="11" name="TextBox 10">
-            <a:extLst>
-              <a:ext uri="{FF2B5EF4-FFF2-40B4-BE49-F238E27FC236}">
-                <a16:creationId xmlns:a16="http://schemas.microsoft.com/office/drawing/2014/main" id="{1A78517E-AF51-0EDF-B0F6-134EFC633922}"/>
-              </a:ext>
-            </a:extLst>
-          </p:cNvPr>
-          <p:cNvSpPr txBox="1"/>
-          <p:nvPr/>
-        </p:nvSpPr>
-        <p:spPr>
-          <a:xfrm>
-            <a:off x="4489240" y="2489606"/>
-            <a:ext cx="2743201" cy="830997"/>
-          </a:xfrm>
-          <a:prstGeom prst="rect">
-            <a:avLst/>
-          </a:prstGeom>
-          <a:noFill/>
-        </p:spPr>
-        <p:txBody>
-          <a:bodyPr wrap="square" rtlCol="0">
-            <a:spAutoFit/>
-          </a:bodyPr>
-          <a:lstStyle/>
-          <a:p>
-            <a:r>
-              <a:rPr lang="en-IN" sz="4800" dirty="0">
-                <a:latin typeface="Times New Roman" panose="02020603050405020304" pitchFamily="18" charset="0"/>
-                <a:cs typeface="Times New Roman" panose="02020603050405020304" pitchFamily="18" charset="0"/>
-              </a:rPr>
-              <a:t>Title Slide</a:t>
-            </a:r>
-          </a:p>
-        </p:txBody>
-      </p:sp>
-      <p:sp>
-        <p:nvSpPr>
-          <p:cNvPr id="12" name="TextBox 11">
-            <a:extLst>
-              <a:ext uri="{FF2B5EF4-FFF2-40B4-BE49-F238E27FC236}">
-                <a16:creationId xmlns:a16="http://schemas.microsoft.com/office/drawing/2014/main" id="{FDBEE282-9716-2B9F-AF62-2BA6384EC4E1}"/>
-              </a:ext>
-            </a:extLst>
-          </p:cNvPr>
-          <p:cNvSpPr txBox="1"/>
-          <p:nvPr/>
-        </p:nvSpPr>
-        <p:spPr>
-          <a:xfrm>
-            <a:off x="634548" y="3916012"/>
-            <a:ext cx="6344237" cy="923330"/>
-          </a:xfrm>
-          <a:prstGeom prst="rect">
-            <a:avLst/>
-          </a:prstGeom>
-          <a:noFill/>
-        </p:spPr>
-        <p:txBody>
-          <a:bodyPr wrap="none" rtlCol="0">
-            <a:spAutoFit/>
-          </a:bodyPr>
-          <a:lstStyle/>
-          <a:p>
-            <a:r>
-              <a:rPr lang="en-IN" dirty="0"/>
-              <a:t>Instructions:</a:t>
-            </a:r>
-          </a:p>
-          <a:p>
-            <a:pPr marL="342900" indent="-342900">
-              <a:buAutoNum type="arabicParenR"/>
-            </a:pPr>
-            <a:r>
-              <a:rPr lang="en-IN" dirty="0"/>
-              <a:t>Presentation time is 10 mins and followed by 2-3 mins of Q/A.</a:t>
-            </a:r>
-          </a:p>
-          <a:p>
-            <a:pPr marL="342900" indent="-342900">
-              <a:buAutoNum type="arabicParenR"/>
-            </a:pPr>
-            <a:r>
-              <a:rPr lang="en-IN" dirty="0"/>
-              <a:t>All text must be in Times New roman.</a:t>
-            </a:r>
           </a:p>
         </p:txBody>
       </p:sp>
@@ -3859,10 +3854,10 @@
       </p:grpSpPr>
       <p:pic>
         <p:nvPicPr>
-          <p:cNvPr id="4" name="Picture 3" descr="IIChE VIT">
-            <a:extLst>
-              <a:ext uri="{FF2B5EF4-FFF2-40B4-BE49-F238E27FC236}">
-                <a16:creationId xmlns:a16="http://schemas.microsoft.com/office/drawing/2014/main" id="{AD903B80-8A44-9284-A048-D72CE44B92A6}"/>
+          <p:cNvPr id="5" name="Picture 4">
+            <a:extLst>
+              <a:ext uri="{FF2B5EF4-FFF2-40B4-BE49-F238E27FC236}">
+                <a16:creationId xmlns:a16="http://schemas.microsoft.com/office/drawing/2014/main" id="{56BDDC6B-DE8C-0F91-E22E-28513D89301F}"/>
               </a:ext>
             </a:extLst>
           </p:cNvPr>
@@ -3879,13 +3874,13 @@
               </a:ext>
             </a:extLst>
           </a:blip>
-          <a:srcRect l="25558" t="19111" r="23933" b="21790"/>
+          <a:srcRect l="9375" t="8029" r="7987" b="7299"/>
           <a:stretch/>
         </p:blipFill>
         <p:spPr bwMode="auto">
           <a:xfrm>
-            <a:off x="10755697" y="45409"/>
-            <a:ext cx="1257713" cy="1068712"/>
+            <a:off x="178590" y="45409"/>
+            <a:ext cx="1162564" cy="1134013"/>
           </a:xfrm>
           <a:prstGeom prst="rect">
             <a:avLst/>
@@ -3901,12 +3896,172 @@
           </a:extLst>
         </p:spPr>
       </p:pic>
+      <p:sp>
+        <p:nvSpPr>
+          <p:cNvPr id="8" name="Rectangle 7">
+            <a:extLst>
+              <a:ext uri="{FF2B5EF4-FFF2-40B4-BE49-F238E27FC236}">
+                <a16:creationId xmlns:a16="http://schemas.microsoft.com/office/drawing/2014/main" id="{C72E9259-A7B6-0B67-F2D9-A1BF57C013D8}"/>
+              </a:ext>
+            </a:extLst>
+          </p:cNvPr>
+          <p:cNvSpPr/>
+          <p:nvPr/>
+        </p:nvSpPr>
+        <p:spPr>
+          <a:xfrm>
+            <a:off x="2399070" y="6358082"/>
+            <a:ext cx="9705139" cy="45719"/>
+          </a:xfrm>
+          <a:prstGeom prst="rect">
+            <a:avLst/>
+          </a:prstGeom>
+          <a:solidFill>
+            <a:schemeClr val="tx1"/>
+          </a:solidFill>
+        </p:spPr>
+        <p:style>
+          <a:lnRef idx="0">
+            <a:schemeClr val="dk1"/>
+          </a:lnRef>
+          <a:fillRef idx="3">
+            <a:schemeClr val="dk1"/>
+          </a:fillRef>
+          <a:effectRef idx="3">
+            <a:schemeClr val="dk1"/>
+          </a:effectRef>
+          <a:fontRef idx="minor">
+            <a:schemeClr val="lt1"/>
+          </a:fontRef>
+        </p:style>
+        <p:txBody>
+          <a:bodyPr rtlCol="0" anchor="ctr"/>
+          <a:lstStyle/>
+          <a:p>
+            <a:pPr algn="ctr"/>
+            <a:endParaRPr lang="en-IN" baseline="-25000" dirty="0"/>
+          </a:p>
+        </p:txBody>
+      </p:sp>
+      <p:sp>
+        <p:nvSpPr>
+          <p:cNvPr id="9" name="TextBox 8">
+            <a:extLst>
+              <a:ext uri="{FF2B5EF4-FFF2-40B4-BE49-F238E27FC236}">
+                <a16:creationId xmlns:a16="http://schemas.microsoft.com/office/drawing/2014/main" id="{EA7654AC-FE9D-6164-23C8-840F964891E1}"/>
+              </a:ext>
+            </a:extLst>
+          </p:cNvPr>
+          <p:cNvSpPr txBox="1"/>
+          <p:nvPr/>
+        </p:nvSpPr>
+        <p:spPr>
+          <a:xfrm>
+            <a:off x="3544283" y="6358082"/>
+            <a:ext cx="6459793" cy="369332"/>
+          </a:xfrm>
+          <a:prstGeom prst="rect">
+            <a:avLst/>
+          </a:prstGeom>
+          <a:noFill/>
+        </p:spPr>
+        <p:txBody>
+          <a:bodyPr wrap="square" rtlCol="0">
+            <a:spAutoFit/>
+          </a:bodyPr>
+          <a:lstStyle/>
+          <a:p>
+            <a:r>
+              <a:rPr lang="en-IN" dirty="0">
+                <a:latin typeface="Times New Roman" panose="02020603050405020304" pitchFamily="18" charset="0"/>
+                <a:cs typeface="Times New Roman" panose="02020603050405020304" pitchFamily="18" charset="0"/>
+              </a:rPr>
+              <a:t>Venue: Vellore Institute of Technology, Vellore, Tamil Nadu</a:t>
+            </a:r>
+          </a:p>
+        </p:txBody>
+      </p:sp>
+      <p:sp>
+        <p:nvSpPr>
+          <p:cNvPr id="2" name="TextBox 1">
+            <a:extLst>
+              <a:ext uri="{FF2B5EF4-FFF2-40B4-BE49-F238E27FC236}">
+                <a16:creationId xmlns:a16="http://schemas.microsoft.com/office/drawing/2014/main" id="{6BA58C5E-1C41-05D1-17FA-DC7DBA72C8E5}"/>
+              </a:ext>
+            </a:extLst>
+          </p:cNvPr>
+          <p:cNvSpPr txBox="1"/>
+          <p:nvPr/>
+        </p:nvSpPr>
+        <p:spPr>
+          <a:xfrm>
+            <a:off x="3470787" y="1179422"/>
+            <a:ext cx="5496232" cy="769441"/>
+          </a:xfrm>
+          <a:prstGeom prst="rect">
+            <a:avLst/>
+          </a:prstGeom>
+          <a:noFill/>
+        </p:spPr>
+        <p:txBody>
+          <a:bodyPr wrap="square" rtlCol="0">
+            <a:spAutoFit/>
+          </a:bodyPr>
+          <a:lstStyle/>
+          <a:p>
+            <a:pPr algn="ctr"/>
+            <a:r>
+              <a:rPr lang="en-US" sz="4400" dirty="0">
+                <a:latin typeface="Times New Roman" panose="02020603050405020304" pitchFamily="18" charset="0"/>
+                <a:cs typeface="Times New Roman" panose="02020603050405020304" pitchFamily="18" charset="0"/>
+              </a:rPr>
+              <a:t>Thank you</a:t>
+            </a:r>
+          </a:p>
+        </p:txBody>
+      </p:sp>
       <p:pic>
         <p:nvPicPr>
-          <p:cNvPr id="5" name="Picture 4">
-            <a:extLst>
-              <a:ext uri="{FF2B5EF4-FFF2-40B4-BE49-F238E27FC236}">
-                <a16:creationId xmlns:a16="http://schemas.microsoft.com/office/drawing/2014/main" id="{56BDDC6B-DE8C-0F91-E22E-28513D89301F}"/>
+          <p:cNvPr id="3" name="Picture 2">
+            <a:extLst>
+              <a:ext uri="{FF2B5EF4-FFF2-40B4-BE49-F238E27FC236}">
+                <a16:creationId xmlns:a16="http://schemas.microsoft.com/office/drawing/2014/main" id="{C0DEE5CB-7333-17D8-6BB0-C86D13838BA9}"/>
+              </a:ext>
+            </a:extLst>
+          </p:cNvPr>
+          <p:cNvPicPr>
+            <a:picLocks noChangeAspect="1"/>
+          </p:cNvPicPr>
+          <p:nvPr/>
+        </p:nvPicPr>
+        <p:blipFill>
+          <a:blip r:embed="rId3">
+            <a:extLst>
+              <a:ext uri="{28A0092B-C50C-407E-A947-70E740481C1C}">
+                <a14:useLocalDpi xmlns:a14="http://schemas.microsoft.com/office/drawing/2010/main" val="0"/>
+              </a:ext>
+            </a:extLst>
+          </a:blip>
+          <a:stretch>
+            <a:fillRect/>
+          </a:stretch>
+        </p:blipFill>
+        <p:spPr>
+          <a:xfrm>
+            <a:off x="7366929" y="-244989"/>
+            <a:ext cx="4688120" cy="1965634"/>
+          </a:xfrm>
+          <a:prstGeom prst="rect">
+            <a:avLst/>
+          </a:prstGeom>
+        </p:spPr>
+      </p:pic>
+      <p:pic>
+        <p:nvPicPr>
+          <p:cNvPr id="10" name="Picture 9" descr="IIChE VIT">
+            <a:extLst>
+              <a:ext uri="{FF2B5EF4-FFF2-40B4-BE49-F238E27FC236}">
+                <a16:creationId xmlns:a16="http://schemas.microsoft.com/office/drawing/2014/main" id="{20BF0C8C-D657-88EA-1FBB-1D7D57D8582A}"/>
               </a:ext>
             </a:extLst>
           </p:cNvPr>
@@ -3916,20 +4071,20 @@
           <p:nvPr/>
         </p:nvPicPr>
         <p:blipFill rotWithShape="1">
-          <a:blip r:embed="rId3">
+          <a:blip r:embed="rId4">
             <a:extLst>
               <a:ext uri="{28A0092B-C50C-407E-A947-70E740481C1C}">
                 <a14:useLocalDpi xmlns:a14="http://schemas.microsoft.com/office/drawing/2010/main" val="0"/>
               </a:ext>
             </a:extLst>
           </a:blip>
-          <a:srcRect l="9375" t="8029" r="7987" b="7299"/>
+          <a:srcRect l="25558" t="19111" r="23933" b="21790"/>
           <a:stretch/>
         </p:blipFill>
         <p:spPr bwMode="auto">
           <a:xfrm>
-            <a:off x="178590" y="45409"/>
-            <a:ext cx="1162564" cy="1134013"/>
+            <a:off x="1584118" y="110710"/>
+            <a:ext cx="1257713" cy="1068712"/>
           </a:xfrm>
           <a:prstGeom prst="rect">
             <a:avLst/>
@@ -3945,53 +4100,12 @@
           </a:extLst>
         </p:spPr>
       </p:pic>
-      <p:pic>
-        <p:nvPicPr>
-          <p:cNvPr id="6" name="Picture 5" descr="Vellore Institute of Technology - Wikipedia">
-            <a:extLst>
-              <a:ext uri="{FF2B5EF4-FFF2-40B4-BE49-F238E27FC236}">
-                <a16:creationId xmlns:a16="http://schemas.microsoft.com/office/drawing/2014/main" id="{FCFEE03B-45B4-96B8-C832-EA4356A7F9AD}"/>
-              </a:ext>
-            </a:extLst>
-          </p:cNvPr>
-          <p:cNvPicPr>
-            <a:picLocks noChangeAspect="1"/>
-          </p:cNvPicPr>
-          <p:nvPr/>
-        </p:nvPicPr>
-        <p:blipFill>
-          <a:blip r:embed="rId4">
-            <a:extLst>
-              <a:ext uri="{28A0092B-C50C-407E-A947-70E740481C1C}">
-                <a14:useLocalDpi xmlns:a14="http://schemas.microsoft.com/office/drawing/2010/main" val="0"/>
-              </a:ext>
-            </a:extLst>
-          </a:blip>
-          <a:srcRect/>
-          <a:stretch>
-            <a:fillRect/>
-          </a:stretch>
-        </p:blipFill>
-        <p:spPr bwMode="auto">
-          <a:xfrm>
-            <a:off x="95041" y="5628192"/>
-            <a:ext cx="1079015" cy="1134013"/>
-          </a:xfrm>
-          <a:prstGeom prst="rect">
-            <a:avLst/>
-          </a:prstGeom>
-          <a:noFill/>
-          <a:ln>
-            <a:noFill/>
-          </a:ln>
-        </p:spPr>
-      </p:pic>
-      <p:sp>
-        <p:nvSpPr>
-          <p:cNvPr id="7" name="Rectangle 6">
-            <a:extLst>
-              <a:ext uri="{FF2B5EF4-FFF2-40B4-BE49-F238E27FC236}">
-                <a16:creationId xmlns:a16="http://schemas.microsoft.com/office/drawing/2014/main" id="{46836CB3-0D5E-6861-BB01-31E124B9C3EB}"/>
+      <p:sp>
+        <p:nvSpPr>
+          <p:cNvPr id="11" name="Rectangle 10">
+            <a:extLst>
+              <a:ext uri="{FF2B5EF4-FFF2-40B4-BE49-F238E27FC236}">
+                <a16:creationId xmlns:a16="http://schemas.microsoft.com/office/drawing/2014/main" id="{4849CE9A-2D40-B1DA-D2F8-96AA0E955902}"/>
               </a:ext>
             </a:extLst>
           </p:cNvPr>
@@ -4000,7 +4114,7 @@
         </p:nvSpPr>
         <p:spPr>
           <a:xfrm>
-            <a:off x="1090236" y="6101823"/>
+            <a:off x="-45144" y="6142638"/>
             <a:ext cx="2454047" cy="400110"/>
           </a:xfrm>
           <a:prstGeom prst="rect">
@@ -4077,130 +4191,6 @@
               <a:latin typeface="Eras Bold ITC" panose="020B0907030504020204" pitchFamily="34" charset="0"/>
               <a:cs typeface="Times New Roman" panose="02020603050405020304" pitchFamily="18" charset="0"/>
             </a:endParaRPr>
-          </a:p>
-        </p:txBody>
-      </p:sp>
-      <p:sp>
-        <p:nvSpPr>
-          <p:cNvPr id="8" name="Rectangle 7">
-            <a:extLst>
-              <a:ext uri="{FF2B5EF4-FFF2-40B4-BE49-F238E27FC236}">
-                <a16:creationId xmlns:a16="http://schemas.microsoft.com/office/drawing/2014/main" id="{C72E9259-A7B6-0B67-F2D9-A1BF57C013D8}"/>
-              </a:ext>
-            </a:extLst>
-          </p:cNvPr>
-          <p:cNvSpPr/>
-          <p:nvPr/>
-        </p:nvSpPr>
-        <p:spPr>
-          <a:xfrm>
-            <a:off x="3544283" y="6358082"/>
-            <a:ext cx="8510766" cy="45719"/>
-          </a:xfrm>
-          <a:prstGeom prst="rect">
-            <a:avLst/>
-          </a:prstGeom>
-          <a:solidFill>
-            <a:schemeClr val="tx1"/>
-          </a:solidFill>
-        </p:spPr>
-        <p:style>
-          <a:lnRef idx="0">
-            <a:schemeClr val="dk1"/>
-          </a:lnRef>
-          <a:fillRef idx="3">
-            <a:schemeClr val="dk1"/>
-          </a:fillRef>
-          <a:effectRef idx="3">
-            <a:schemeClr val="dk1"/>
-          </a:effectRef>
-          <a:fontRef idx="minor">
-            <a:schemeClr val="lt1"/>
-          </a:fontRef>
-        </p:style>
-        <p:txBody>
-          <a:bodyPr rtlCol="0" anchor="ctr"/>
-          <a:lstStyle/>
-          <a:p>
-            <a:pPr algn="ctr"/>
-            <a:endParaRPr lang="en-IN" baseline="-25000" dirty="0"/>
-          </a:p>
-        </p:txBody>
-      </p:sp>
-      <p:sp>
-        <p:nvSpPr>
-          <p:cNvPr id="9" name="TextBox 8">
-            <a:extLst>
-              <a:ext uri="{FF2B5EF4-FFF2-40B4-BE49-F238E27FC236}">
-                <a16:creationId xmlns:a16="http://schemas.microsoft.com/office/drawing/2014/main" id="{EA7654AC-FE9D-6164-23C8-840F964891E1}"/>
-              </a:ext>
-            </a:extLst>
-          </p:cNvPr>
-          <p:cNvSpPr txBox="1"/>
-          <p:nvPr/>
-        </p:nvSpPr>
-        <p:spPr>
-          <a:xfrm>
-            <a:off x="3544283" y="6358082"/>
-            <a:ext cx="6459793" cy="369332"/>
-          </a:xfrm>
-          <a:prstGeom prst="rect">
-            <a:avLst/>
-          </a:prstGeom>
-          <a:noFill/>
-        </p:spPr>
-        <p:txBody>
-          <a:bodyPr wrap="square" rtlCol="0">
-            <a:spAutoFit/>
-          </a:bodyPr>
-          <a:lstStyle/>
-          <a:p>
-            <a:r>
-              <a:rPr lang="en-IN" dirty="0">
-                <a:latin typeface="Times New Roman" panose="02020603050405020304" pitchFamily="18" charset="0"/>
-                <a:cs typeface="Times New Roman" panose="02020603050405020304" pitchFamily="18" charset="0"/>
-              </a:rPr>
-              <a:t>Venue: Vellore Institute of Technology, Vellore, Tamil Nadu</a:t>
-            </a:r>
-          </a:p>
-        </p:txBody>
-      </p:sp>
-      <p:sp>
-        <p:nvSpPr>
-          <p:cNvPr id="2" name="TextBox 1">
-            <a:extLst>
-              <a:ext uri="{FF2B5EF4-FFF2-40B4-BE49-F238E27FC236}">
-                <a16:creationId xmlns:a16="http://schemas.microsoft.com/office/drawing/2014/main" id="{6BA58C5E-1C41-05D1-17FA-DC7DBA72C8E5}"/>
-              </a:ext>
-            </a:extLst>
-          </p:cNvPr>
-          <p:cNvSpPr txBox="1"/>
-          <p:nvPr/>
-        </p:nvSpPr>
-        <p:spPr>
-          <a:xfrm>
-            <a:off x="3470787" y="1179422"/>
-            <a:ext cx="5496232" cy="769441"/>
-          </a:xfrm>
-          <a:prstGeom prst="rect">
-            <a:avLst/>
-          </a:prstGeom>
-          <a:noFill/>
-        </p:spPr>
-        <p:txBody>
-          <a:bodyPr wrap="square" rtlCol="0">
-            <a:spAutoFit/>
-          </a:bodyPr>
-          <a:lstStyle/>
-          <a:p>
-            <a:pPr algn="ctr"/>
-            <a:r>
-              <a:rPr lang="en-US" sz="4400" dirty="0">
-                <a:latin typeface="Times New Roman" panose="02020603050405020304" pitchFamily="18" charset="0"/>
-                <a:cs typeface="Times New Roman" panose="02020603050405020304" pitchFamily="18" charset="0"/>
-              </a:rPr>
-              <a:t>Thank you</a:t>
-            </a:r>
           </a:p>
         </p:txBody>
       </p:sp>
@@ -4242,10 +4232,10 @@
       </p:grpSpPr>
       <p:pic>
         <p:nvPicPr>
-          <p:cNvPr id="4" name="Picture 3" descr="IIChE VIT">
-            <a:extLst>
-              <a:ext uri="{FF2B5EF4-FFF2-40B4-BE49-F238E27FC236}">
-                <a16:creationId xmlns:a16="http://schemas.microsoft.com/office/drawing/2014/main" id="{53C036CF-3F92-A5CD-8E8B-EA587B9E50C5}"/>
+          <p:cNvPr id="5" name="Picture 4">
+            <a:extLst>
+              <a:ext uri="{FF2B5EF4-FFF2-40B4-BE49-F238E27FC236}">
+                <a16:creationId xmlns:a16="http://schemas.microsoft.com/office/drawing/2014/main" id="{6801ED8C-2E5B-C3EE-25BF-AA0C50EB5BA7}"/>
               </a:ext>
             </a:extLst>
           </p:cNvPr>
@@ -4262,13 +4252,13 @@
               </a:ext>
             </a:extLst>
           </a:blip>
-          <a:srcRect l="25558" t="19111" r="23933" b="21790"/>
+          <a:srcRect l="9375" t="8029" r="7987" b="7299"/>
           <a:stretch/>
         </p:blipFill>
         <p:spPr bwMode="auto">
           <a:xfrm>
-            <a:off x="10755697" y="45409"/>
-            <a:ext cx="1257713" cy="1068712"/>
+            <a:off x="178590" y="45409"/>
+            <a:ext cx="1162564" cy="1134013"/>
           </a:xfrm>
           <a:prstGeom prst="rect">
             <a:avLst/>
@@ -4284,12 +4274,129 @@
           </a:extLst>
         </p:spPr>
       </p:pic>
+      <p:sp>
+        <p:nvSpPr>
+          <p:cNvPr id="9" name="TextBox 8">
+            <a:extLst>
+              <a:ext uri="{FF2B5EF4-FFF2-40B4-BE49-F238E27FC236}">
+                <a16:creationId xmlns:a16="http://schemas.microsoft.com/office/drawing/2014/main" id="{77B595FB-CFC8-65E0-A4F1-9AF63BD81337}"/>
+              </a:ext>
+            </a:extLst>
+          </p:cNvPr>
+          <p:cNvSpPr txBox="1"/>
+          <p:nvPr/>
+        </p:nvSpPr>
+        <p:spPr>
+          <a:xfrm>
+            <a:off x="3544283" y="6358082"/>
+            <a:ext cx="6459793" cy="369332"/>
+          </a:xfrm>
+          <a:prstGeom prst="rect">
+            <a:avLst/>
+          </a:prstGeom>
+          <a:noFill/>
+        </p:spPr>
+        <p:txBody>
+          <a:bodyPr wrap="square" rtlCol="0">
+            <a:spAutoFit/>
+          </a:bodyPr>
+          <a:lstStyle/>
+          <a:p>
+            <a:r>
+              <a:rPr lang="en-IN" dirty="0">
+                <a:latin typeface="Times New Roman" panose="02020603050405020304" pitchFamily="18" charset="0"/>
+                <a:cs typeface="Times New Roman" panose="02020603050405020304" pitchFamily="18" charset="0"/>
+              </a:rPr>
+              <a:t>Venue: Vellore Institute of Technology, Vellore, Tamil Nadu</a:t>
+            </a:r>
+          </a:p>
+        </p:txBody>
+      </p:sp>
+      <p:sp>
+        <p:nvSpPr>
+          <p:cNvPr id="2" name="TextBox 1">
+            <a:extLst>
+              <a:ext uri="{FF2B5EF4-FFF2-40B4-BE49-F238E27FC236}">
+                <a16:creationId xmlns:a16="http://schemas.microsoft.com/office/drawing/2014/main" id="{B34E832A-66E8-5505-C2DE-C8AA69B4090B}"/>
+              </a:ext>
+            </a:extLst>
+          </p:cNvPr>
+          <p:cNvSpPr txBox="1"/>
+          <p:nvPr/>
+        </p:nvSpPr>
+        <p:spPr>
+          <a:xfrm>
+            <a:off x="3470787" y="1179422"/>
+            <a:ext cx="5496232" cy="769441"/>
+          </a:xfrm>
+          <a:prstGeom prst="rect">
+            <a:avLst/>
+          </a:prstGeom>
+          <a:noFill/>
+        </p:spPr>
+        <p:txBody>
+          <a:bodyPr wrap="square" rtlCol="0">
+            <a:spAutoFit/>
+          </a:bodyPr>
+          <a:lstStyle/>
+          <a:p>
+            <a:pPr algn="ctr"/>
+            <a:r>
+              <a:rPr lang="en-US" sz="4400" dirty="0">
+                <a:latin typeface="Times New Roman" panose="02020603050405020304" pitchFamily="18" charset="0"/>
+                <a:cs typeface="Times New Roman" panose="02020603050405020304" pitchFamily="18" charset="0"/>
+              </a:rPr>
+              <a:t>Introduction</a:t>
+            </a:r>
+            <a:endParaRPr lang="en-IN" sz="4400" dirty="0">
+              <a:latin typeface="Times New Roman" panose="02020603050405020304" pitchFamily="18" charset="0"/>
+              <a:cs typeface="Times New Roman" panose="02020603050405020304" pitchFamily="18" charset="0"/>
+            </a:endParaRPr>
+          </a:p>
+        </p:txBody>
+      </p:sp>
       <p:pic>
         <p:nvPicPr>
-          <p:cNvPr id="5" name="Picture 4">
-            <a:extLst>
-              <a:ext uri="{FF2B5EF4-FFF2-40B4-BE49-F238E27FC236}">
-                <a16:creationId xmlns:a16="http://schemas.microsoft.com/office/drawing/2014/main" id="{6801ED8C-2E5B-C3EE-25BF-AA0C50EB5BA7}"/>
+          <p:cNvPr id="3" name="Picture 2">
+            <a:extLst>
+              <a:ext uri="{FF2B5EF4-FFF2-40B4-BE49-F238E27FC236}">
+                <a16:creationId xmlns:a16="http://schemas.microsoft.com/office/drawing/2014/main" id="{1588B8D9-3DB6-A0D4-016A-263920D96749}"/>
+              </a:ext>
+            </a:extLst>
+          </p:cNvPr>
+          <p:cNvPicPr>
+            <a:picLocks noChangeAspect="1"/>
+          </p:cNvPicPr>
+          <p:nvPr/>
+        </p:nvPicPr>
+        <p:blipFill>
+          <a:blip r:embed="rId3">
+            <a:extLst>
+              <a:ext uri="{28A0092B-C50C-407E-A947-70E740481C1C}">
+                <a14:useLocalDpi xmlns:a14="http://schemas.microsoft.com/office/drawing/2010/main" val="0"/>
+              </a:ext>
+            </a:extLst>
+          </a:blip>
+          <a:stretch>
+            <a:fillRect/>
+          </a:stretch>
+        </p:blipFill>
+        <p:spPr>
+          <a:xfrm>
+            <a:off x="7366929" y="-244989"/>
+            <a:ext cx="4688120" cy="1965634"/>
+          </a:xfrm>
+          <a:prstGeom prst="rect">
+            <a:avLst/>
+          </a:prstGeom>
+        </p:spPr>
+      </p:pic>
+      <p:pic>
+        <p:nvPicPr>
+          <p:cNvPr id="10" name="Picture 9" descr="IIChE VIT">
+            <a:extLst>
+              <a:ext uri="{FF2B5EF4-FFF2-40B4-BE49-F238E27FC236}">
+                <a16:creationId xmlns:a16="http://schemas.microsoft.com/office/drawing/2014/main" id="{27065632-88B5-23C0-0C10-6B561C174B6A}"/>
               </a:ext>
             </a:extLst>
           </p:cNvPr>
@@ -4299,20 +4406,20 @@
           <p:nvPr/>
         </p:nvPicPr>
         <p:blipFill rotWithShape="1">
-          <a:blip r:embed="rId3">
+          <a:blip r:embed="rId4">
             <a:extLst>
               <a:ext uri="{28A0092B-C50C-407E-A947-70E740481C1C}">
                 <a14:useLocalDpi xmlns:a14="http://schemas.microsoft.com/office/drawing/2010/main" val="0"/>
               </a:ext>
             </a:extLst>
           </a:blip>
-          <a:srcRect l="9375" t="8029" r="7987" b="7299"/>
+          <a:srcRect l="25558" t="19111" r="23933" b="21790"/>
           <a:stretch/>
         </p:blipFill>
         <p:spPr bwMode="auto">
           <a:xfrm>
-            <a:off x="178590" y="45409"/>
-            <a:ext cx="1162564" cy="1134013"/>
+            <a:off x="1584118" y="110710"/>
+            <a:ext cx="1257713" cy="1068712"/>
           </a:xfrm>
           <a:prstGeom prst="rect">
             <a:avLst/>
@@ -4328,53 +4435,12 @@
           </a:extLst>
         </p:spPr>
       </p:pic>
-      <p:pic>
-        <p:nvPicPr>
-          <p:cNvPr id="6" name="Picture 5" descr="Vellore Institute of Technology - Wikipedia">
-            <a:extLst>
-              <a:ext uri="{FF2B5EF4-FFF2-40B4-BE49-F238E27FC236}">
-                <a16:creationId xmlns:a16="http://schemas.microsoft.com/office/drawing/2014/main" id="{E82AA331-811E-9D90-E232-BF1216D298ED}"/>
-              </a:ext>
-            </a:extLst>
-          </p:cNvPr>
-          <p:cNvPicPr>
-            <a:picLocks noChangeAspect="1"/>
-          </p:cNvPicPr>
-          <p:nvPr/>
-        </p:nvPicPr>
-        <p:blipFill>
-          <a:blip r:embed="rId4">
-            <a:extLst>
-              <a:ext uri="{28A0092B-C50C-407E-A947-70E740481C1C}">
-                <a14:useLocalDpi xmlns:a14="http://schemas.microsoft.com/office/drawing/2010/main" val="0"/>
-              </a:ext>
-            </a:extLst>
-          </a:blip>
-          <a:srcRect/>
-          <a:stretch>
-            <a:fillRect/>
-          </a:stretch>
-        </p:blipFill>
-        <p:spPr bwMode="auto">
-          <a:xfrm>
-            <a:off x="95041" y="5628192"/>
-            <a:ext cx="1079015" cy="1134013"/>
-          </a:xfrm>
-          <a:prstGeom prst="rect">
-            <a:avLst/>
-          </a:prstGeom>
-          <a:noFill/>
-          <a:ln>
-            <a:noFill/>
-          </a:ln>
-        </p:spPr>
-      </p:pic>
-      <p:sp>
-        <p:nvSpPr>
-          <p:cNvPr id="7" name="Rectangle 6">
-            <a:extLst>
-              <a:ext uri="{FF2B5EF4-FFF2-40B4-BE49-F238E27FC236}">
-                <a16:creationId xmlns:a16="http://schemas.microsoft.com/office/drawing/2014/main" id="{B817A31A-4D3F-E69D-0DFA-B3BA65A5D72D}"/>
+      <p:sp>
+        <p:nvSpPr>
+          <p:cNvPr id="13" name="Rectangle 12">
+            <a:extLst>
+              <a:ext uri="{FF2B5EF4-FFF2-40B4-BE49-F238E27FC236}">
+                <a16:creationId xmlns:a16="http://schemas.microsoft.com/office/drawing/2014/main" id="{E05DA91C-0763-9DC9-DAD6-50F46BB99EDD}"/>
               </a:ext>
             </a:extLst>
           </p:cNvPr>
@@ -4383,7 +4449,7 @@
         </p:nvSpPr>
         <p:spPr>
           <a:xfrm>
-            <a:off x="1090236" y="6101823"/>
+            <a:off x="-45144" y="6142638"/>
             <a:ext cx="2454047" cy="400110"/>
           </a:xfrm>
           <a:prstGeom prst="rect">
@@ -4465,10 +4531,10 @@
       </p:sp>
       <p:sp>
         <p:nvSpPr>
-          <p:cNvPr id="8" name="Rectangle 7">
-            <a:extLst>
-              <a:ext uri="{FF2B5EF4-FFF2-40B4-BE49-F238E27FC236}">
-                <a16:creationId xmlns:a16="http://schemas.microsoft.com/office/drawing/2014/main" id="{C4CB1FD3-FF9F-8BEF-038E-00514730DFE2}"/>
+          <p:cNvPr id="14" name="Rectangle 13">
+            <a:extLst>
+              <a:ext uri="{FF2B5EF4-FFF2-40B4-BE49-F238E27FC236}">
+                <a16:creationId xmlns:a16="http://schemas.microsoft.com/office/drawing/2014/main" id="{AB42904F-776D-8491-E5D7-83739B97CC16}"/>
               </a:ext>
             </a:extLst>
           </p:cNvPr>
@@ -4477,8 +4543,8 @@
         </p:nvSpPr>
         <p:spPr>
           <a:xfrm>
-            <a:off x="3544283" y="6358082"/>
-            <a:ext cx="8510766" cy="45719"/>
+            <a:off x="2399070" y="6358082"/>
+            <a:ext cx="9705139" cy="45719"/>
           </a:xfrm>
           <a:prstGeom prst="rect">
             <a:avLst/>
@@ -4507,87 +4573,6 @@
           <a:p>
             <a:pPr algn="ctr"/>
             <a:endParaRPr lang="en-IN" baseline="-25000" dirty="0"/>
-          </a:p>
-        </p:txBody>
-      </p:sp>
-      <p:sp>
-        <p:nvSpPr>
-          <p:cNvPr id="9" name="TextBox 8">
-            <a:extLst>
-              <a:ext uri="{FF2B5EF4-FFF2-40B4-BE49-F238E27FC236}">
-                <a16:creationId xmlns:a16="http://schemas.microsoft.com/office/drawing/2014/main" id="{77B595FB-CFC8-65E0-A4F1-9AF63BD81337}"/>
-              </a:ext>
-            </a:extLst>
-          </p:cNvPr>
-          <p:cNvSpPr txBox="1"/>
-          <p:nvPr/>
-        </p:nvSpPr>
-        <p:spPr>
-          <a:xfrm>
-            <a:off x="3544283" y="6358082"/>
-            <a:ext cx="6459793" cy="369332"/>
-          </a:xfrm>
-          <a:prstGeom prst="rect">
-            <a:avLst/>
-          </a:prstGeom>
-          <a:noFill/>
-        </p:spPr>
-        <p:txBody>
-          <a:bodyPr wrap="square" rtlCol="0">
-            <a:spAutoFit/>
-          </a:bodyPr>
-          <a:lstStyle/>
-          <a:p>
-            <a:r>
-              <a:rPr lang="en-IN" dirty="0">
-                <a:latin typeface="Times New Roman" panose="02020603050405020304" pitchFamily="18" charset="0"/>
-                <a:cs typeface="Times New Roman" panose="02020603050405020304" pitchFamily="18" charset="0"/>
-              </a:rPr>
-              <a:t>Venue: Vellore Institute of Technology, Vellore, Tamil Nadu</a:t>
-            </a:r>
-          </a:p>
-        </p:txBody>
-      </p:sp>
-      <p:sp>
-        <p:nvSpPr>
-          <p:cNvPr id="2" name="TextBox 1">
-            <a:extLst>
-              <a:ext uri="{FF2B5EF4-FFF2-40B4-BE49-F238E27FC236}">
-                <a16:creationId xmlns:a16="http://schemas.microsoft.com/office/drawing/2014/main" id="{B34E832A-66E8-5505-C2DE-C8AA69B4090B}"/>
-              </a:ext>
-            </a:extLst>
-          </p:cNvPr>
-          <p:cNvSpPr txBox="1"/>
-          <p:nvPr/>
-        </p:nvSpPr>
-        <p:spPr>
-          <a:xfrm>
-            <a:off x="3470787" y="1179422"/>
-            <a:ext cx="5496232" cy="769441"/>
-          </a:xfrm>
-          <a:prstGeom prst="rect">
-            <a:avLst/>
-          </a:prstGeom>
-          <a:noFill/>
-        </p:spPr>
-        <p:txBody>
-          <a:bodyPr wrap="square" rtlCol="0">
-            <a:spAutoFit/>
-          </a:bodyPr>
-          <a:lstStyle/>
-          <a:p>
-            <a:pPr algn="ctr"/>
-            <a:r>
-              <a:rPr lang="en-US" sz="4400" dirty="0">
-                <a:latin typeface="Times New Roman" panose="02020603050405020304" pitchFamily="18" charset="0"/>
-                <a:cs typeface="Times New Roman" panose="02020603050405020304" pitchFamily="18" charset="0"/>
-              </a:rPr>
-              <a:t>Introduction</a:t>
-            </a:r>
-            <a:endParaRPr lang="en-IN" sz="4400" dirty="0">
-              <a:latin typeface="Times New Roman" panose="02020603050405020304" pitchFamily="18" charset="0"/>
-              <a:cs typeface="Times New Roman" panose="02020603050405020304" pitchFamily="18" charset="0"/>
-            </a:endParaRPr>
           </a:p>
         </p:txBody>
       </p:sp>
@@ -4629,10 +4614,10 @@
       </p:grpSpPr>
       <p:pic>
         <p:nvPicPr>
-          <p:cNvPr id="4" name="Picture 3" descr="IIChE VIT">
-            <a:extLst>
-              <a:ext uri="{FF2B5EF4-FFF2-40B4-BE49-F238E27FC236}">
-                <a16:creationId xmlns:a16="http://schemas.microsoft.com/office/drawing/2014/main" id="{4CB09E79-CEAA-5DFA-0266-2ABF59F7F3C4}"/>
+          <p:cNvPr id="5" name="Picture 4">
+            <a:extLst>
+              <a:ext uri="{FF2B5EF4-FFF2-40B4-BE49-F238E27FC236}">
+                <a16:creationId xmlns:a16="http://schemas.microsoft.com/office/drawing/2014/main" id="{09284148-A1F3-5DED-7C91-61EC85E49ABE}"/>
               </a:ext>
             </a:extLst>
           </p:cNvPr>
@@ -4649,13 +4634,13 @@
               </a:ext>
             </a:extLst>
           </a:blip>
-          <a:srcRect l="25558" t="19111" r="23933" b="21790"/>
+          <a:srcRect l="9375" t="8029" r="7987" b="7299"/>
           <a:stretch/>
         </p:blipFill>
         <p:spPr bwMode="auto">
           <a:xfrm>
-            <a:off x="10755697" y="45409"/>
-            <a:ext cx="1257713" cy="1068712"/>
+            <a:off x="178590" y="45409"/>
+            <a:ext cx="1162564" cy="1134013"/>
           </a:xfrm>
           <a:prstGeom prst="rect">
             <a:avLst/>
@@ -4671,12 +4656,129 @@
           </a:extLst>
         </p:spPr>
       </p:pic>
+      <p:sp>
+        <p:nvSpPr>
+          <p:cNvPr id="9" name="TextBox 8">
+            <a:extLst>
+              <a:ext uri="{FF2B5EF4-FFF2-40B4-BE49-F238E27FC236}">
+                <a16:creationId xmlns:a16="http://schemas.microsoft.com/office/drawing/2014/main" id="{3FD95745-8036-8DE7-22D5-F9F54E887D1E}"/>
+              </a:ext>
+            </a:extLst>
+          </p:cNvPr>
+          <p:cNvSpPr txBox="1"/>
+          <p:nvPr/>
+        </p:nvSpPr>
+        <p:spPr>
+          <a:xfrm>
+            <a:off x="3544283" y="6358082"/>
+            <a:ext cx="6459793" cy="369332"/>
+          </a:xfrm>
+          <a:prstGeom prst="rect">
+            <a:avLst/>
+          </a:prstGeom>
+          <a:noFill/>
+        </p:spPr>
+        <p:txBody>
+          <a:bodyPr wrap="square" rtlCol="0">
+            <a:spAutoFit/>
+          </a:bodyPr>
+          <a:lstStyle/>
+          <a:p>
+            <a:r>
+              <a:rPr lang="en-IN" dirty="0">
+                <a:latin typeface="Times New Roman" panose="02020603050405020304" pitchFamily="18" charset="0"/>
+                <a:cs typeface="Times New Roman" panose="02020603050405020304" pitchFamily="18" charset="0"/>
+              </a:rPr>
+              <a:t>Venue: Vellore Institute of Technology, Vellore, Tamil Nadu</a:t>
+            </a:r>
+          </a:p>
+        </p:txBody>
+      </p:sp>
+      <p:sp>
+        <p:nvSpPr>
+          <p:cNvPr id="2" name="TextBox 1">
+            <a:extLst>
+              <a:ext uri="{FF2B5EF4-FFF2-40B4-BE49-F238E27FC236}">
+                <a16:creationId xmlns:a16="http://schemas.microsoft.com/office/drawing/2014/main" id="{C4DE4B69-A2EE-85D4-22E9-B1B4858AF5ED}"/>
+              </a:ext>
+            </a:extLst>
+          </p:cNvPr>
+          <p:cNvSpPr txBox="1"/>
+          <p:nvPr/>
+        </p:nvSpPr>
+        <p:spPr>
+          <a:xfrm>
+            <a:off x="2050025" y="1179422"/>
+            <a:ext cx="8111613" cy="769441"/>
+          </a:xfrm>
+          <a:prstGeom prst="rect">
+            <a:avLst/>
+          </a:prstGeom>
+          <a:noFill/>
+        </p:spPr>
+        <p:txBody>
+          <a:bodyPr wrap="square" rtlCol="0">
+            <a:spAutoFit/>
+          </a:bodyPr>
+          <a:lstStyle/>
+          <a:p>
+            <a:pPr algn="ctr"/>
+            <a:r>
+              <a:rPr lang="en-US" sz="4400" dirty="0">
+                <a:latin typeface="Times New Roman" panose="02020603050405020304" pitchFamily="18" charset="0"/>
+                <a:cs typeface="Times New Roman" panose="02020603050405020304" pitchFamily="18" charset="0"/>
+              </a:rPr>
+              <a:t>Problem statement &amp; Objective</a:t>
+            </a:r>
+            <a:endParaRPr lang="en-IN" sz="4400" dirty="0">
+              <a:latin typeface="Times New Roman" panose="02020603050405020304" pitchFamily="18" charset="0"/>
+              <a:cs typeface="Times New Roman" panose="02020603050405020304" pitchFamily="18" charset="0"/>
+            </a:endParaRPr>
+          </a:p>
+        </p:txBody>
+      </p:sp>
       <p:pic>
         <p:nvPicPr>
-          <p:cNvPr id="5" name="Picture 4">
-            <a:extLst>
-              <a:ext uri="{FF2B5EF4-FFF2-40B4-BE49-F238E27FC236}">
-                <a16:creationId xmlns:a16="http://schemas.microsoft.com/office/drawing/2014/main" id="{09284148-A1F3-5DED-7C91-61EC85E49ABE}"/>
+          <p:cNvPr id="3" name="Picture 2">
+            <a:extLst>
+              <a:ext uri="{FF2B5EF4-FFF2-40B4-BE49-F238E27FC236}">
+                <a16:creationId xmlns:a16="http://schemas.microsoft.com/office/drawing/2014/main" id="{824711EF-1E02-FE1A-EEEB-B1811803F395}"/>
+              </a:ext>
+            </a:extLst>
+          </p:cNvPr>
+          <p:cNvPicPr>
+            <a:picLocks noChangeAspect="1"/>
+          </p:cNvPicPr>
+          <p:nvPr/>
+        </p:nvPicPr>
+        <p:blipFill>
+          <a:blip r:embed="rId3">
+            <a:extLst>
+              <a:ext uri="{28A0092B-C50C-407E-A947-70E740481C1C}">
+                <a14:useLocalDpi xmlns:a14="http://schemas.microsoft.com/office/drawing/2010/main" val="0"/>
+              </a:ext>
+            </a:extLst>
+          </a:blip>
+          <a:stretch>
+            <a:fillRect/>
+          </a:stretch>
+        </p:blipFill>
+        <p:spPr>
+          <a:xfrm>
+            <a:off x="7366929" y="-244989"/>
+            <a:ext cx="4688120" cy="1965634"/>
+          </a:xfrm>
+          <a:prstGeom prst="rect">
+            <a:avLst/>
+          </a:prstGeom>
+        </p:spPr>
+      </p:pic>
+      <p:pic>
+        <p:nvPicPr>
+          <p:cNvPr id="10" name="Picture 9" descr="IIChE VIT">
+            <a:extLst>
+              <a:ext uri="{FF2B5EF4-FFF2-40B4-BE49-F238E27FC236}">
+                <a16:creationId xmlns:a16="http://schemas.microsoft.com/office/drawing/2014/main" id="{98BEF44C-72A8-ECF7-3312-794F14BBE73C}"/>
               </a:ext>
             </a:extLst>
           </p:cNvPr>
@@ -4686,20 +4788,20 @@
           <p:nvPr/>
         </p:nvPicPr>
         <p:blipFill rotWithShape="1">
-          <a:blip r:embed="rId3">
+          <a:blip r:embed="rId4">
             <a:extLst>
               <a:ext uri="{28A0092B-C50C-407E-A947-70E740481C1C}">
                 <a14:useLocalDpi xmlns:a14="http://schemas.microsoft.com/office/drawing/2010/main" val="0"/>
               </a:ext>
             </a:extLst>
           </a:blip>
-          <a:srcRect l="9375" t="8029" r="7987" b="7299"/>
+          <a:srcRect l="25558" t="19111" r="23933" b="21790"/>
           <a:stretch/>
         </p:blipFill>
         <p:spPr bwMode="auto">
           <a:xfrm>
-            <a:off x="178590" y="45409"/>
-            <a:ext cx="1162564" cy="1134013"/>
+            <a:off x="1584118" y="110710"/>
+            <a:ext cx="1257713" cy="1068712"/>
           </a:xfrm>
           <a:prstGeom prst="rect">
             <a:avLst/>
@@ -4715,53 +4817,12 @@
           </a:extLst>
         </p:spPr>
       </p:pic>
-      <p:pic>
-        <p:nvPicPr>
-          <p:cNvPr id="6" name="Picture 5" descr="Vellore Institute of Technology - Wikipedia">
-            <a:extLst>
-              <a:ext uri="{FF2B5EF4-FFF2-40B4-BE49-F238E27FC236}">
-                <a16:creationId xmlns:a16="http://schemas.microsoft.com/office/drawing/2014/main" id="{45134BB3-9196-ECE4-969E-09B7B8DBE2F9}"/>
-              </a:ext>
-            </a:extLst>
-          </p:cNvPr>
-          <p:cNvPicPr>
-            <a:picLocks noChangeAspect="1"/>
-          </p:cNvPicPr>
-          <p:nvPr/>
-        </p:nvPicPr>
-        <p:blipFill>
-          <a:blip r:embed="rId4">
-            <a:extLst>
-              <a:ext uri="{28A0092B-C50C-407E-A947-70E740481C1C}">
-                <a14:useLocalDpi xmlns:a14="http://schemas.microsoft.com/office/drawing/2010/main" val="0"/>
-              </a:ext>
-            </a:extLst>
-          </a:blip>
-          <a:srcRect/>
-          <a:stretch>
-            <a:fillRect/>
-          </a:stretch>
-        </p:blipFill>
-        <p:spPr bwMode="auto">
-          <a:xfrm>
-            <a:off x="95041" y="5628192"/>
-            <a:ext cx="1079015" cy="1134013"/>
-          </a:xfrm>
-          <a:prstGeom prst="rect">
-            <a:avLst/>
-          </a:prstGeom>
-          <a:noFill/>
-          <a:ln>
-            <a:noFill/>
-          </a:ln>
-        </p:spPr>
-      </p:pic>
-      <p:sp>
-        <p:nvSpPr>
-          <p:cNvPr id="7" name="Rectangle 6">
-            <a:extLst>
-              <a:ext uri="{FF2B5EF4-FFF2-40B4-BE49-F238E27FC236}">
-                <a16:creationId xmlns:a16="http://schemas.microsoft.com/office/drawing/2014/main" id="{6590B965-06CE-8AFA-FB2E-9CFB784E979E}"/>
+      <p:sp>
+        <p:nvSpPr>
+          <p:cNvPr id="12" name="Rectangle 11">
+            <a:extLst>
+              <a:ext uri="{FF2B5EF4-FFF2-40B4-BE49-F238E27FC236}">
+                <a16:creationId xmlns:a16="http://schemas.microsoft.com/office/drawing/2014/main" id="{A81564C2-723A-3287-9D03-10037CD8CCA6}"/>
               </a:ext>
             </a:extLst>
           </p:cNvPr>
@@ -4770,7 +4831,7 @@
         </p:nvSpPr>
         <p:spPr>
           <a:xfrm>
-            <a:off x="1090236" y="6101823"/>
+            <a:off x="-45144" y="6142638"/>
             <a:ext cx="2454047" cy="400110"/>
           </a:xfrm>
           <a:prstGeom prst="rect">
@@ -4852,10 +4913,10 @@
       </p:sp>
       <p:sp>
         <p:nvSpPr>
-          <p:cNvPr id="8" name="Rectangle 7">
-            <a:extLst>
-              <a:ext uri="{FF2B5EF4-FFF2-40B4-BE49-F238E27FC236}">
-                <a16:creationId xmlns:a16="http://schemas.microsoft.com/office/drawing/2014/main" id="{724E88EB-8514-3DC4-0F70-48DCC69FFCFC}"/>
+          <p:cNvPr id="13" name="Rectangle 12">
+            <a:extLst>
+              <a:ext uri="{FF2B5EF4-FFF2-40B4-BE49-F238E27FC236}">
+                <a16:creationId xmlns:a16="http://schemas.microsoft.com/office/drawing/2014/main" id="{484E6DCE-6C7B-8B64-DD3E-95C3EB2082A0}"/>
               </a:ext>
             </a:extLst>
           </p:cNvPr>
@@ -4864,8 +4925,8 @@
         </p:nvSpPr>
         <p:spPr>
           <a:xfrm>
-            <a:off x="3544283" y="6358082"/>
-            <a:ext cx="8510766" cy="45719"/>
+            <a:off x="2399070" y="6358082"/>
+            <a:ext cx="9705139" cy="45719"/>
           </a:xfrm>
           <a:prstGeom prst="rect">
             <a:avLst/>
@@ -4894,87 +4955,6 @@
           <a:p>
             <a:pPr algn="ctr"/>
             <a:endParaRPr lang="en-IN" baseline="-25000" dirty="0"/>
-          </a:p>
-        </p:txBody>
-      </p:sp>
-      <p:sp>
-        <p:nvSpPr>
-          <p:cNvPr id="9" name="TextBox 8">
-            <a:extLst>
-              <a:ext uri="{FF2B5EF4-FFF2-40B4-BE49-F238E27FC236}">
-                <a16:creationId xmlns:a16="http://schemas.microsoft.com/office/drawing/2014/main" id="{3FD95745-8036-8DE7-22D5-F9F54E887D1E}"/>
-              </a:ext>
-            </a:extLst>
-          </p:cNvPr>
-          <p:cNvSpPr txBox="1"/>
-          <p:nvPr/>
-        </p:nvSpPr>
-        <p:spPr>
-          <a:xfrm>
-            <a:off x="3544283" y="6358082"/>
-            <a:ext cx="6459793" cy="369332"/>
-          </a:xfrm>
-          <a:prstGeom prst="rect">
-            <a:avLst/>
-          </a:prstGeom>
-          <a:noFill/>
-        </p:spPr>
-        <p:txBody>
-          <a:bodyPr wrap="square" rtlCol="0">
-            <a:spAutoFit/>
-          </a:bodyPr>
-          <a:lstStyle/>
-          <a:p>
-            <a:r>
-              <a:rPr lang="en-IN" dirty="0">
-                <a:latin typeface="Times New Roman" panose="02020603050405020304" pitchFamily="18" charset="0"/>
-                <a:cs typeface="Times New Roman" panose="02020603050405020304" pitchFamily="18" charset="0"/>
-              </a:rPr>
-              <a:t>Venue: Vellore Institute of Technology, Vellore, Tamil Nadu</a:t>
-            </a:r>
-          </a:p>
-        </p:txBody>
-      </p:sp>
-      <p:sp>
-        <p:nvSpPr>
-          <p:cNvPr id="2" name="TextBox 1">
-            <a:extLst>
-              <a:ext uri="{FF2B5EF4-FFF2-40B4-BE49-F238E27FC236}">
-                <a16:creationId xmlns:a16="http://schemas.microsoft.com/office/drawing/2014/main" id="{C4DE4B69-A2EE-85D4-22E9-B1B4858AF5ED}"/>
-              </a:ext>
-            </a:extLst>
-          </p:cNvPr>
-          <p:cNvSpPr txBox="1"/>
-          <p:nvPr/>
-        </p:nvSpPr>
-        <p:spPr>
-          <a:xfrm>
-            <a:off x="2040193" y="1179422"/>
-            <a:ext cx="8111613" cy="769441"/>
-          </a:xfrm>
-          <a:prstGeom prst="rect">
-            <a:avLst/>
-          </a:prstGeom>
-          <a:noFill/>
-        </p:spPr>
-        <p:txBody>
-          <a:bodyPr wrap="square" rtlCol="0">
-            <a:spAutoFit/>
-          </a:bodyPr>
-          <a:lstStyle/>
-          <a:p>
-            <a:pPr algn="ctr"/>
-            <a:r>
-              <a:rPr lang="en-US" sz="4400" dirty="0">
-                <a:latin typeface="Times New Roman" panose="02020603050405020304" pitchFamily="18" charset="0"/>
-                <a:cs typeface="Times New Roman" panose="02020603050405020304" pitchFamily="18" charset="0"/>
-              </a:rPr>
-              <a:t>Problem statement &amp; Objective</a:t>
-            </a:r>
-            <a:endParaRPr lang="en-IN" sz="4400" dirty="0">
-              <a:latin typeface="Times New Roman" panose="02020603050405020304" pitchFamily="18" charset="0"/>
-              <a:cs typeface="Times New Roman" panose="02020603050405020304" pitchFamily="18" charset="0"/>
-            </a:endParaRPr>
           </a:p>
         </p:txBody>
       </p:sp>
@@ -5016,10 +4996,10 @@
       </p:grpSpPr>
       <p:pic>
         <p:nvPicPr>
-          <p:cNvPr id="4" name="Picture 3" descr="IIChE VIT">
-            <a:extLst>
-              <a:ext uri="{FF2B5EF4-FFF2-40B4-BE49-F238E27FC236}">
-                <a16:creationId xmlns:a16="http://schemas.microsoft.com/office/drawing/2014/main" id="{91A8B600-60A2-CF37-34B8-73A5C38298F5}"/>
+          <p:cNvPr id="5" name="Picture 4">
+            <a:extLst>
+              <a:ext uri="{FF2B5EF4-FFF2-40B4-BE49-F238E27FC236}">
+                <a16:creationId xmlns:a16="http://schemas.microsoft.com/office/drawing/2014/main" id="{F360F99D-06AE-4491-9125-ABFAD80DE9E9}"/>
               </a:ext>
             </a:extLst>
           </p:cNvPr>
@@ -5036,13 +5016,13 @@
               </a:ext>
             </a:extLst>
           </a:blip>
-          <a:srcRect l="25558" t="19111" r="23933" b="21790"/>
+          <a:srcRect l="9375" t="8029" r="7987" b="7299"/>
           <a:stretch/>
         </p:blipFill>
         <p:spPr bwMode="auto">
           <a:xfrm>
-            <a:off x="10755697" y="45409"/>
-            <a:ext cx="1257713" cy="1068712"/>
+            <a:off x="178590" y="45409"/>
+            <a:ext cx="1162564" cy="1134013"/>
           </a:xfrm>
           <a:prstGeom prst="rect">
             <a:avLst/>
@@ -5058,12 +5038,129 @@
           </a:extLst>
         </p:spPr>
       </p:pic>
+      <p:sp>
+        <p:nvSpPr>
+          <p:cNvPr id="9" name="TextBox 8">
+            <a:extLst>
+              <a:ext uri="{FF2B5EF4-FFF2-40B4-BE49-F238E27FC236}">
+                <a16:creationId xmlns:a16="http://schemas.microsoft.com/office/drawing/2014/main" id="{F7D57179-BAB3-211C-19F9-B7F4B5DAB650}"/>
+              </a:ext>
+            </a:extLst>
+          </p:cNvPr>
+          <p:cNvSpPr txBox="1"/>
+          <p:nvPr/>
+        </p:nvSpPr>
+        <p:spPr>
+          <a:xfrm>
+            <a:off x="3544283" y="6358082"/>
+            <a:ext cx="6459793" cy="369332"/>
+          </a:xfrm>
+          <a:prstGeom prst="rect">
+            <a:avLst/>
+          </a:prstGeom>
+          <a:noFill/>
+        </p:spPr>
+        <p:txBody>
+          <a:bodyPr wrap="square" rtlCol="0">
+            <a:spAutoFit/>
+          </a:bodyPr>
+          <a:lstStyle/>
+          <a:p>
+            <a:r>
+              <a:rPr lang="en-IN" dirty="0">
+                <a:latin typeface="Times New Roman" panose="02020603050405020304" pitchFamily="18" charset="0"/>
+                <a:cs typeface="Times New Roman" panose="02020603050405020304" pitchFamily="18" charset="0"/>
+              </a:rPr>
+              <a:t>Venue: Vellore Institute of Technology, Vellore, Tamil Nadu</a:t>
+            </a:r>
+          </a:p>
+        </p:txBody>
+      </p:sp>
+      <p:sp>
+        <p:nvSpPr>
+          <p:cNvPr id="2" name="TextBox 1">
+            <a:extLst>
+              <a:ext uri="{FF2B5EF4-FFF2-40B4-BE49-F238E27FC236}">
+                <a16:creationId xmlns:a16="http://schemas.microsoft.com/office/drawing/2014/main" id="{4CFA6987-95B6-1AAA-1D93-85BE96D1BB06}"/>
+              </a:ext>
+            </a:extLst>
+          </p:cNvPr>
+          <p:cNvSpPr txBox="1"/>
+          <p:nvPr/>
+        </p:nvSpPr>
+        <p:spPr>
+          <a:xfrm>
+            <a:off x="3347884" y="1198638"/>
+            <a:ext cx="5496232" cy="769441"/>
+          </a:xfrm>
+          <a:prstGeom prst="rect">
+            <a:avLst/>
+          </a:prstGeom>
+          <a:noFill/>
+        </p:spPr>
+        <p:txBody>
+          <a:bodyPr wrap="square" rtlCol="0">
+            <a:spAutoFit/>
+          </a:bodyPr>
+          <a:lstStyle/>
+          <a:p>
+            <a:pPr algn="ctr"/>
+            <a:r>
+              <a:rPr lang="en-US" sz="4400" dirty="0">
+                <a:latin typeface="Times New Roman" panose="02020603050405020304" pitchFamily="18" charset="0"/>
+                <a:cs typeface="Times New Roman" panose="02020603050405020304" pitchFamily="18" charset="0"/>
+              </a:rPr>
+              <a:t>Methodology</a:t>
+            </a:r>
+            <a:endParaRPr lang="en-IN" sz="4400" dirty="0">
+              <a:latin typeface="Times New Roman" panose="02020603050405020304" pitchFamily="18" charset="0"/>
+              <a:cs typeface="Times New Roman" panose="02020603050405020304" pitchFamily="18" charset="0"/>
+            </a:endParaRPr>
+          </a:p>
+        </p:txBody>
+      </p:sp>
       <p:pic>
         <p:nvPicPr>
-          <p:cNvPr id="5" name="Picture 4">
-            <a:extLst>
-              <a:ext uri="{FF2B5EF4-FFF2-40B4-BE49-F238E27FC236}">
-                <a16:creationId xmlns:a16="http://schemas.microsoft.com/office/drawing/2014/main" id="{F360F99D-06AE-4491-9125-ABFAD80DE9E9}"/>
+          <p:cNvPr id="3" name="Picture 2">
+            <a:extLst>
+              <a:ext uri="{FF2B5EF4-FFF2-40B4-BE49-F238E27FC236}">
+                <a16:creationId xmlns:a16="http://schemas.microsoft.com/office/drawing/2014/main" id="{D171BAA0-A91F-9CA6-A9DB-EF183FFC3BA7}"/>
+              </a:ext>
+            </a:extLst>
+          </p:cNvPr>
+          <p:cNvPicPr>
+            <a:picLocks noChangeAspect="1"/>
+          </p:cNvPicPr>
+          <p:nvPr/>
+        </p:nvPicPr>
+        <p:blipFill>
+          <a:blip r:embed="rId3">
+            <a:extLst>
+              <a:ext uri="{28A0092B-C50C-407E-A947-70E740481C1C}">
+                <a14:useLocalDpi xmlns:a14="http://schemas.microsoft.com/office/drawing/2010/main" val="0"/>
+              </a:ext>
+            </a:extLst>
+          </a:blip>
+          <a:stretch>
+            <a:fillRect/>
+          </a:stretch>
+        </p:blipFill>
+        <p:spPr>
+          <a:xfrm>
+            <a:off x="7366929" y="-244989"/>
+            <a:ext cx="4688120" cy="1965634"/>
+          </a:xfrm>
+          <a:prstGeom prst="rect">
+            <a:avLst/>
+          </a:prstGeom>
+        </p:spPr>
+      </p:pic>
+      <p:pic>
+        <p:nvPicPr>
+          <p:cNvPr id="10" name="Picture 9" descr="IIChE VIT">
+            <a:extLst>
+              <a:ext uri="{FF2B5EF4-FFF2-40B4-BE49-F238E27FC236}">
+                <a16:creationId xmlns:a16="http://schemas.microsoft.com/office/drawing/2014/main" id="{C1223984-53B9-A232-622A-55155054E569}"/>
               </a:ext>
             </a:extLst>
           </p:cNvPr>
@@ -5073,20 +5170,20 @@
           <p:nvPr/>
         </p:nvPicPr>
         <p:blipFill rotWithShape="1">
-          <a:blip r:embed="rId3">
+          <a:blip r:embed="rId4">
             <a:extLst>
               <a:ext uri="{28A0092B-C50C-407E-A947-70E740481C1C}">
                 <a14:useLocalDpi xmlns:a14="http://schemas.microsoft.com/office/drawing/2010/main" val="0"/>
               </a:ext>
             </a:extLst>
           </a:blip>
-          <a:srcRect l="9375" t="8029" r="7987" b="7299"/>
+          <a:srcRect l="25558" t="19111" r="23933" b="21790"/>
           <a:stretch/>
         </p:blipFill>
         <p:spPr bwMode="auto">
           <a:xfrm>
-            <a:off x="178590" y="45409"/>
-            <a:ext cx="1162564" cy="1134013"/>
+            <a:off x="1584118" y="110710"/>
+            <a:ext cx="1257713" cy="1068712"/>
           </a:xfrm>
           <a:prstGeom prst="rect">
             <a:avLst/>
@@ -5102,53 +5199,12 @@
           </a:extLst>
         </p:spPr>
       </p:pic>
-      <p:pic>
-        <p:nvPicPr>
-          <p:cNvPr id="6" name="Picture 5" descr="Vellore Institute of Technology - Wikipedia">
-            <a:extLst>
-              <a:ext uri="{FF2B5EF4-FFF2-40B4-BE49-F238E27FC236}">
-                <a16:creationId xmlns:a16="http://schemas.microsoft.com/office/drawing/2014/main" id="{8370DA48-DCF2-CD61-786A-91E3B459B075}"/>
-              </a:ext>
-            </a:extLst>
-          </p:cNvPr>
-          <p:cNvPicPr>
-            <a:picLocks noChangeAspect="1"/>
-          </p:cNvPicPr>
-          <p:nvPr/>
-        </p:nvPicPr>
-        <p:blipFill>
-          <a:blip r:embed="rId4">
-            <a:extLst>
-              <a:ext uri="{28A0092B-C50C-407E-A947-70E740481C1C}">
-                <a14:useLocalDpi xmlns:a14="http://schemas.microsoft.com/office/drawing/2010/main" val="0"/>
-              </a:ext>
-            </a:extLst>
-          </a:blip>
-          <a:srcRect/>
-          <a:stretch>
-            <a:fillRect/>
-          </a:stretch>
-        </p:blipFill>
-        <p:spPr bwMode="auto">
-          <a:xfrm>
-            <a:off x="95041" y="5628192"/>
-            <a:ext cx="1079015" cy="1134013"/>
-          </a:xfrm>
-          <a:prstGeom prst="rect">
-            <a:avLst/>
-          </a:prstGeom>
-          <a:noFill/>
-          <a:ln>
-            <a:noFill/>
-          </a:ln>
-        </p:spPr>
-      </p:pic>
-      <p:sp>
-        <p:nvSpPr>
-          <p:cNvPr id="7" name="Rectangle 6">
-            <a:extLst>
-              <a:ext uri="{FF2B5EF4-FFF2-40B4-BE49-F238E27FC236}">
-                <a16:creationId xmlns:a16="http://schemas.microsoft.com/office/drawing/2014/main" id="{E56F91CA-FA99-013B-CA8F-DED34CE6C12B}"/>
+      <p:sp>
+        <p:nvSpPr>
+          <p:cNvPr id="11" name="Rectangle 10">
+            <a:extLst>
+              <a:ext uri="{FF2B5EF4-FFF2-40B4-BE49-F238E27FC236}">
+                <a16:creationId xmlns:a16="http://schemas.microsoft.com/office/drawing/2014/main" id="{5352986B-3A36-46FB-297F-1ACE949E36E5}"/>
               </a:ext>
             </a:extLst>
           </p:cNvPr>
@@ -5157,7 +5213,7 @@
         </p:nvSpPr>
         <p:spPr>
           <a:xfrm>
-            <a:off x="1090236" y="6101823"/>
+            <a:off x="-45144" y="6142638"/>
             <a:ext cx="2454047" cy="400110"/>
           </a:xfrm>
           <a:prstGeom prst="rect">
@@ -5239,10 +5295,10 @@
       </p:sp>
       <p:sp>
         <p:nvSpPr>
-          <p:cNvPr id="8" name="Rectangle 7">
-            <a:extLst>
-              <a:ext uri="{FF2B5EF4-FFF2-40B4-BE49-F238E27FC236}">
-                <a16:creationId xmlns:a16="http://schemas.microsoft.com/office/drawing/2014/main" id="{A0552893-2C9F-B592-07C9-876AA1388A2C}"/>
+          <p:cNvPr id="12" name="Rectangle 11">
+            <a:extLst>
+              <a:ext uri="{FF2B5EF4-FFF2-40B4-BE49-F238E27FC236}">
+                <a16:creationId xmlns:a16="http://schemas.microsoft.com/office/drawing/2014/main" id="{9F12A6A8-9BE6-A709-9110-E04A41716546}"/>
               </a:ext>
             </a:extLst>
           </p:cNvPr>
@@ -5251,8 +5307,8 @@
         </p:nvSpPr>
         <p:spPr>
           <a:xfrm>
-            <a:off x="3544283" y="6358082"/>
-            <a:ext cx="8510766" cy="45719"/>
+            <a:off x="2399070" y="6358082"/>
+            <a:ext cx="9705139" cy="45719"/>
           </a:xfrm>
           <a:prstGeom prst="rect">
             <a:avLst/>
@@ -5281,87 +5337,6 @@
           <a:p>
             <a:pPr algn="ctr"/>
             <a:endParaRPr lang="en-IN" baseline="-25000" dirty="0"/>
-          </a:p>
-        </p:txBody>
-      </p:sp>
-      <p:sp>
-        <p:nvSpPr>
-          <p:cNvPr id="9" name="TextBox 8">
-            <a:extLst>
-              <a:ext uri="{FF2B5EF4-FFF2-40B4-BE49-F238E27FC236}">
-                <a16:creationId xmlns:a16="http://schemas.microsoft.com/office/drawing/2014/main" id="{F7D57179-BAB3-211C-19F9-B7F4B5DAB650}"/>
-              </a:ext>
-            </a:extLst>
-          </p:cNvPr>
-          <p:cNvSpPr txBox="1"/>
-          <p:nvPr/>
-        </p:nvSpPr>
-        <p:spPr>
-          <a:xfrm>
-            <a:off x="3544283" y="6358082"/>
-            <a:ext cx="6459793" cy="369332"/>
-          </a:xfrm>
-          <a:prstGeom prst="rect">
-            <a:avLst/>
-          </a:prstGeom>
-          <a:noFill/>
-        </p:spPr>
-        <p:txBody>
-          <a:bodyPr wrap="square" rtlCol="0">
-            <a:spAutoFit/>
-          </a:bodyPr>
-          <a:lstStyle/>
-          <a:p>
-            <a:r>
-              <a:rPr lang="en-IN" dirty="0">
-                <a:latin typeface="Times New Roman" panose="02020603050405020304" pitchFamily="18" charset="0"/>
-                <a:cs typeface="Times New Roman" panose="02020603050405020304" pitchFamily="18" charset="0"/>
-              </a:rPr>
-              <a:t>Venue: Vellore Institute of Technology, Vellore, Tamil Nadu</a:t>
-            </a:r>
-          </a:p>
-        </p:txBody>
-      </p:sp>
-      <p:sp>
-        <p:nvSpPr>
-          <p:cNvPr id="2" name="TextBox 1">
-            <a:extLst>
-              <a:ext uri="{FF2B5EF4-FFF2-40B4-BE49-F238E27FC236}">
-                <a16:creationId xmlns:a16="http://schemas.microsoft.com/office/drawing/2014/main" id="{4CFA6987-95B6-1AAA-1D93-85BE96D1BB06}"/>
-              </a:ext>
-            </a:extLst>
-          </p:cNvPr>
-          <p:cNvSpPr txBox="1"/>
-          <p:nvPr/>
-        </p:nvSpPr>
-        <p:spPr>
-          <a:xfrm>
-            <a:off x="3347884" y="1198638"/>
-            <a:ext cx="5496232" cy="769441"/>
-          </a:xfrm>
-          <a:prstGeom prst="rect">
-            <a:avLst/>
-          </a:prstGeom>
-          <a:noFill/>
-        </p:spPr>
-        <p:txBody>
-          <a:bodyPr wrap="square" rtlCol="0">
-            <a:spAutoFit/>
-          </a:bodyPr>
-          <a:lstStyle/>
-          <a:p>
-            <a:pPr algn="ctr"/>
-            <a:r>
-              <a:rPr lang="en-US" sz="4400" dirty="0">
-                <a:latin typeface="Times New Roman" panose="02020603050405020304" pitchFamily="18" charset="0"/>
-                <a:cs typeface="Times New Roman" panose="02020603050405020304" pitchFamily="18" charset="0"/>
-              </a:rPr>
-              <a:t>Methodology</a:t>
-            </a:r>
-            <a:endParaRPr lang="en-IN" sz="4400" dirty="0">
-              <a:latin typeface="Times New Roman" panose="02020603050405020304" pitchFamily="18" charset="0"/>
-              <a:cs typeface="Times New Roman" panose="02020603050405020304" pitchFamily="18" charset="0"/>
-            </a:endParaRPr>
           </a:p>
         </p:txBody>
       </p:sp>
@@ -5403,10 +5378,10 @@
       </p:grpSpPr>
       <p:pic>
         <p:nvPicPr>
-          <p:cNvPr id="4" name="Picture 3" descr="IIChE VIT">
-            <a:extLst>
-              <a:ext uri="{FF2B5EF4-FFF2-40B4-BE49-F238E27FC236}">
-                <a16:creationId xmlns:a16="http://schemas.microsoft.com/office/drawing/2014/main" id="{A8B6AC55-769D-6C27-B47F-4797CA0A1E86}"/>
+          <p:cNvPr id="5" name="Picture 4">
+            <a:extLst>
+              <a:ext uri="{FF2B5EF4-FFF2-40B4-BE49-F238E27FC236}">
+                <a16:creationId xmlns:a16="http://schemas.microsoft.com/office/drawing/2014/main" id="{2E4B5A8B-5E9D-7482-D1DA-90E113D82EC4}"/>
               </a:ext>
             </a:extLst>
           </p:cNvPr>
@@ -5423,13 +5398,13 @@
               </a:ext>
             </a:extLst>
           </a:blip>
-          <a:srcRect l="25558" t="19111" r="23933" b="21790"/>
+          <a:srcRect l="9375" t="8029" r="7987" b="7299"/>
           <a:stretch/>
         </p:blipFill>
         <p:spPr bwMode="auto">
           <a:xfrm>
-            <a:off x="10755697" y="45409"/>
-            <a:ext cx="1257713" cy="1068712"/>
+            <a:off x="178590" y="45409"/>
+            <a:ext cx="1162564" cy="1134013"/>
           </a:xfrm>
           <a:prstGeom prst="rect">
             <a:avLst/>
@@ -5445,12 +5420,129 @@
           </a:extLst>
         </p:spPr>
       </p:pic>
+      <p:sp>
+        <p:nvSpPr>
+          <p:cNvPr id="9" name="TextBox 8">
+            <a:extLst>
+              <a:ext uri="{FF2B5EF4-FFF2-40B4-BE49-F238E27FC236}">
+                <a16:creationId xmlns:a16="http://schemas.microsoft.com/office/drawing/2014/main" id="{19D040A3-11BB-1D65-23EF-5DA13DC52C3D}"/>
+              </a:ext>
+            </a:extLst>
+          </p:cNvPr>
+          <p:cNvSpPr txBox="1"/>
+          <p:nvPr/>
+        </p:nvSpPr>
+        <p:spPr>
+          <a:xfrm>
+            <a:off x="3544283" y="6358082"/>
+            <a:ext cx="6459793" cy="369332"/>
+          </a:xfrm>
+          <a:prstGeom prst="rect">
+            <a:avLst/>
+          </a:prstGeom>
+          <a:noFill/>
+        </p:spPr>
+        <p:txBody>
+          <a:bodyPr wrap="square" rtlCol="0">
+            <a:spAutoFit/>
+          </a:bodyPr>
+          <a:lstStyle/>
+          <a:p>
+            <a:r>
+              <a:rPr lang="en-IN" dirty="0">
+                <a:latin typeface="Times New Roman" panose="02020603050405020304" pitchFamily="18" charset="0"/>
+                <a:cs typeface="Times New Roman" panose="02020603050405020304" pitchFamily="18" charset="0"/>
+              </a:rPr>
+              <a:t>Venue: Vellore Institute of Technology, Vellore, Tamil Nadu</a:t>
+            </a:r>
+          </a:p>
+        </p:txBody>
+      </p:sp>
+      <p:sp>
+        <p:nvSpPr>
+          <p:cNvPr id="2" name="TextBox 1">
+            <a:extLst>
+              <a:ext uri="{FF2B5EF4-FFF2-40B4-BE49-F238E27FC236}">
+                <a16:creationId xmlns:a16="http://schemas.microsoft.com/office/drawing/2014/main" id="{DB791002-E9E8-160B-F13F-AA882BB5144F}"/>
+              </a:ext>
+            </a:extLst>
+          </p:cNvPr>
+          <p:cNvSpPr txBox="1"/>
+          <p:nvPr/>
+        </p:nvSpPr>
+        <p:spPr>
+          <a:xfrm>
+            <a:off x="3544283" y="1179422"/>
+            <a:ext cx="5496232" cy="769441"/>
+          </a:xfrm>
+          <a:prstGeom prst="rect">
+            <a:avLst/>
+          </a:prstGeom>
+          <a:noFill/>
+        </p:spPr>
+        <p:txBody>
+          <a:bodyPr wrap="square" rtlCol="0">
+            <a:spAutoFit/>
+          </a:bodyPr>
+          <a:lstStyle/>
+          <a:p>
+            <a:pPr algn="ctr"/>
+            <a:r>
+              <a:rPr lang="en-US" sz="4400" dirty="0">
+                <a:latin typeface="Times New Roman" panose="02020603050405020304" pitchFamily="18" charset="0"/>
+                <a:cs typeface="Times New Roman" panose="02020603050405020304" pitchFamily="18" charset="0"/>
+              </a:rPr>
+              <a:t>Experimental Setup</a:t>
+            </a:r>
+            <a:endParaRPr lang="en-IN" sz="4400" dirty="0">
+              <a:latin typeface="Times New Roman" panose="02020603050405020304" pitchFamily="18" charset="0"/>
+              <a:cs typeface="Times New Roman" panose="02020603050405020304" pitchFamily="18" charset="0"/>
+            </a:endParaRPr>
+          </a:p>
+        </p:txBody>
+      </p:sp>
       <p:pic>
         <p:nvPicPr>
-          <p:cNvPr id="5" name="Picture 4">
-            <a:extLst>
-              <a:ext uri="{FF2B5EF4-FFF2-40B4-BE49-F238E27FC236}">
-                <a16:creationId xmlns:a16="http://schemas.microsoft.com/office/drawing/2014/main" id="{2E4B5A8B-5E9D-7482-D1DA-90E113D82EC4}"/>
+          <p:cNvPr id="3" name="Picture 2">
+            <a:extLst>
+              <a:ext uri="{FF2B5EF4-FFF2-40B4-BE49-F238E27FC236}">
+                <a16:creationId xmlns:a16="http://schemas.microsoft.com/office/drawing/2014/main" id="{03496C43-FF39-1F1D-369B-B0578B60D0CB}"/>
+              </a:ext>
+            </a:extLst>
+          </p:cNvPr>
+          <p:cNvPicPr>
+            <a:picLocks noChangeAspect="1"/>
+          </p:cNvPicPr>
+          <p:nvPr/>
+        </p:nvPicPr>
+        <p:blipFill>
+          <a:blip r:embed="rId3">
+            <a:extLst>
+              <a:ext uri="{28A0092B-C50C-407E-A947-70E740481C1C}">
+                <a14:useLocalDpi xmlns:a14="http://schemas.microsoft.com/office/drawing/2010/main" val="0"/>
+              </a:ext>
+            </a:extLst>
+          </a:blip>
+          <a:stretch>
+            <a:fillRect/>
+          </a:stretch>
+        </p:blipFill>
+        <p:spPr>
+          <a:xfrm>
+            <a:off x="7366929" y="-244989"/>
+            <a:ext cx="4688120" cy="1965634"/>
+          </a:xfrm>
+          <a:prstGeom prst="rect">
+            <a:avLst/>
+          </a:prstGeom>
+        </p:spPr>
+      </p:pic>
+      <p:pic>
+        <p:nvPicPr>
+          <p:cNvPr id="10" name="Picture 9" descr="IIChE VIT">
+            <a:extLst>
+              <a:ext uri="{FF2B5EF4-FFF2-40B4-BE49-F238E27FC236}">
+                <a16:creationId xmlns:a16="http://schemas.microsoft.com/office/drawing/2014/main" id="{117E5D90-3421-8707-F070-CE7FD599AB3D}"/>
               </a:ext>
             </a:extLst>
           </p:cNvPr>
@@ -5460,20 +5552,20 @@
           <p:nvPr/>
         </p:nvPicPr>
         <p:blipFill rotWithShape="1">
-          <a:blip r:embed="rId3">
+          <a:blip r:embed="rId4">
             <a:extLst>
               <a:ext uri="{28A0092B-C50C-407E-A947-70E740481C1C}">
                 <a14:useLocalDpi xmlns:a14="http://schemas.microsoft.com/office/drawing/2010/main" val="0"/>
               </a:ext>
             </a:extLst>
           </a:blip>
-          <a:srcRect l="9375" t="8029" r="7987" b="7299"/>
+          <a:srcRect l="25558" t="19111" r="23933" b="21790"/>
           <a:stretch/>
         </p:blipFill>
         <p:spPr bwMode="auto">
           <a:xfrm>
-            <a:off x="178590" y="45409"/>
-            <a:ext cx="1162564" cy="1134013"/>
+            <a:off x="1584118" y="110710"/>
+            <a:ext cx="1257713" cy="1068712"/>
           </a:xfrm>
           <a:prstGeom prst="rect">
             <a:avLst/>
@@ -5489,53 +5581,12 @@
           </a:extLst>
         </p:spPr>
       </p:pic>
-      <p:pic>
-        <p:nvPicPr>
-          <p:cNvPr id="6" name="Picture 5" descr="Vellore Institute of Technology - Wikipedia">
-            <a:extLst>
-              <a:ext uri="{FF2B5EF4-FFF2-40B4-BE49-F238E27FC236}">
-                <a16:creationId xmlns:a16="http://schemas.microsoft.com/office/drawing/2014/main" id="{40C44DC8-E923-E901-2A9D-061ED2D0099B}"/>
-              </a:ext>
-            </a:extLst>
-          </p:cNvPr>
-          <p:cNvPicPr>
-            <a:picLocks noChangeAspect="1"/>
-          </p:cNvPicPr>
-          <p:nvPr/>
-        </p:nvPicPr>
-        <p:blipFill>
-          <a:blip r:embed="rId4">
-            <a:extLst>
-              <a:ext uri="{28A0092B-C50C-407E-A947-70E740481C1C}">
-                <a14:useLocalDpi xmlns:a14="http://schemas.microsoft.com/office/drawing/2010/main" val="0"/>
-              </a:ext>
-            </a:extLst>
-          </a:blip>
-          <a:srcRect/>
-          <a:stretch>
-            <a:fillRect/>
-          </a:stretch>
-        </p:blipFill>
-        <p:spPr bwMode="auto">
-          <a:xfrm>
-            <a:off x="95041" y="5628192"/>
-            <a:ext cx="1079015" cy="1134013"/>
-          </a:xfrm>
-          <a:prstGeom prst="rect">
-            <a:avLst/>
-          </a:prstGeom>
-          <a:noFill/>
-          <a:ln>
-            <a:noFill/>
-          </a:ln>
-        </p:spPr>
-      </p:pic>
-      <p:sp>
-        <p:nvSpPr>
-          <p:cNvPr id="7" name="Rectangle 6">
-            <a:extLst>
-              <a:ext uri="{FF2B5EF4-FFF2-40B4-BE49-F238E27FC236}">
-                <a16:creationId xmlns:a16="http://schemas.microsoft.com/office/drawing/2014/main" id="{1C92B21B-589E-752E-F708-113C0BAABE72}"/>
+      <p:sp>
+        <p:nvSpPr>
+          <p:cNvPr id="11" name="Rectangle 10">
+            <a:extLst>
+              <a:ext uri="{FF2B5EF4-FFF2-40B4-BE49-F238E27FC236}">
+                <a16:creationId xmlns:a16="http://schemas.microsoft.com/office/drawing/2014/main" id="{E97E2890-35A6-648C-7981-9A40FD603CEC}"/>
               </a:ext>
             </a:extLst>
           </p:cNvPr>
@@ -5544,7 +5595,7 @@
         </p:nvSpPr>
         <p:spPr>
           <a:xfrm>
-            <a:off x="1090236" y="6101823"/>
+            <a:off x="-45144" y="6142638"/>
             <a:ext cx="2454047" cy="400110"/>
           </a:xfrm>
           <a:prstGeom prst="rect">
@@ -5626,10 +5677,10 @@
       </p:sp>
       <p:sp>
         <p:nvSpPr>
-          <p:cNvPr id="8" name="Rectangle 7">
-            <a:extLst>
-              <a:ext uri="{FF2B5EF4-FFF2-40B4-BE49-F238E27FC236}">
-                <a16:creationId xmlns:a16="http://schemas.microsoft.com/office/drawing/2014/main" id="{93FCFCCD-E168-A088-03A1-225249230D1D}"/>
+          <p:cNvPr id="12" name="Rectangle 11">
+            <a:extLst>
+              <a:ext uri="{FF2B5EF4-FFF2-40B4-BE49-F238E27FC236}">
+                <a16:creationId xmlns:a16="http://schemas.microsoft.com/office/drawing/2014/main" id="{63475718-A683-2B84-1830-26E683691284}"/>
               </a:ext>
             </a:extLst>
           </p:cNvPr>
@@ -5638,8 +5689,8 @@
         </p:nvSpPr>
         <p:spPr>
           <a:xfrm>
-            <a:off x="3544283" y="6358082"/>
-            <a:ext cx="8510766" cy="45719"/>
+            <a:off x="2399070" y="6358082"/>
+            <a:ext cx="9705139" cy="45719"/>
           </a:xfrm>
           <a:prstGeom prst="rect">
             <a:avLst/>
@@ -5668,87 +5719,6 @@
           <a:p>
             <a:pPr algn="ctr"/>
             <a:endParaRPr lang="en-IN" baseline="-25000" dirty="0"/>
-          </a:p>
-        </p:txBody>
-      </p:sp>
-      <p:sp>
-        <p:nvSpPr>
-          <p:cNvPr id="9" name="TextBox 8">
-            <a:extLst>
-              <a:ext uri="{FF2B5EF4-FFF2-40B4-BE49-F238E27FC236}">
-                <a16:creationId xmlns:a16="http://schemas.microsoft.com/office/drawing/2014/main" id="{19D040A3-11BB-1D65-23EF-5DA13DC52C3D}"/>
-              </a:ext>
-            </a:extLst>
-          </p:cNvPr>
-          <p:cNvSpPr txBox="1"/>
-          <p:nvPr/>
-        </p:nvSpPr>
-        <p:spPr>
-          <a:xfrm>
-            <a:off x="3544283" y="6358082"/>
-            <a:ext cx="6459793" cy="369332"/>
-          </a:xfrm>
-          <a:prstGeom prst="rect">
-            <a:avLst/>
-          </a:prstGeom>
-          <a:noFill/>
-        </p:spPr>
-        <p:txBody>
-          <a:bodyPr wrap="square" rtlCol="0">
-            <a:spAutoFit/>
-          </a:bodyPr>
-          <a:lstStyle/>
-          <a:p>
-            <a:r>
-              <a:rPr lang="en-IN" dirty="0">
-                <a:latin typeface="Times New Roman" panose="02020603050405020304" pitchFamily="18" charset="0"/>
-                <a:cs typeface="Times New Roman" panose="02020603050405020304" pitchFamily="18" charset="0"/>
-              </a:rPr>
-              <a:t>Venue: Vellore Institute of Technology, Vellore, Tamil Nadu</a:t>
-            </a:r>
-          </a:p>
-        </p:txBody>
-      </p:sp>
-      <p:sp>
-        <p:nvSpPr>
-          <p:cNvPr id="2" name="TextBox 1">
-            <a:extLst>
-              <a:ext uri="{FF2B5EF4-FFF2-40B4-BE49-F238E27FC236}">
-                <a16:creationId xmlns:a16="http://schemas.microsoft.com/office/drawing/2014/main" id="{DB791002-E9E8-160B-F13F-AA882BB5144F}"/>
-              </a:ext>
-            </a:extLst>
-          </p:cNvPr>
-          <p:cNvSpPr txBox="1"/>
-          <p:nvPr/>
-        </p:nvSpPr>
-        <p:spPr>
-          <a:xfrm>
-            <a:off x="3347884" y="1114121"/>
-            <a:ext cx="5496232" cy="769441"/>
-          </a:xfrm>
-          <a:prstGeom prst="rect">
-            <a:avLst/>
-          </a:prstGeom>
-          <a:noFill/>
-        </p:spPr>
-        <p:txBody>
-          <a:bodyPr wrap="square" rtlCol="0">
-            <a:spAutoFit/>
-          </a:bodyPr>
-          <a:lstStyle/>
-          <a:p>
-            <a:pPr algn="ctr"/>
-            <a:r>
-              <a:rPr lang="en-US" sz="4400" dirty="0">
-                <a:latin typeface="Times New Roman" panose="02020603050405020304" pitchFamily="18" charset="0"/>
-                <a:cs typeface="Times New Roman" panose="02020603050405020304" pitchFamily="18" charset="0"/>
-              </a:rPr>
-              <a:t>Experimental Setup</a:t>
-            </a:r>
-            <a:endParaRPr lang="en-IN" sz="4400" dirty="0">
-              <a:latin typeface="Times New Roman" panose="02020603050405020304" pitchFamily="18" charset="0"/>
-              <a:cs typeface="Times New Roman" panose="02020603050405020304" pitchFamily="18" charset="0"/>
-            </a:endParaRPr>
           </a:p>
         </p:txBody>
       </p:sp>
@@ -5790,10 +5760,10 @@
       </p:grpSpPr>
       <p:pic>
         <p:nvPicPr>
-          <p:cNvPr id="4" name="Picture 3" descr="IIChE VIT">
-            <a:extLst>
-              <a:ext uri="{FF2B5EF4-FFF2-40B4-BE49-F238E27FC236}">
-                <a16:creationId xmlns:a16="http://schemas.microsoft.com/office/drawing/2014/main" id="{41F57E9F-0B60-A788-F6A7-710997E6E20D}"/>
+          <p:cNvPr id="5" name="Picture 4">
+            <a:extLst>
+              <a:ext uri="{FF2B5EF4-FFF2-40B4-BE49-F238E27FC236}">
+                <a16:creationId xmlns:a16="http://schemas.microsoft.com/office/drawing/2014/main" id="{8952F9C4-6DF8-4C06-04FD-4AE7363D63A3}"/>
               </a:ext>
             </a:extLst>
           </p:cNvPr>
@@ -5810,13 +5780,13 @@
               </a:ext>
             </a:extLst>
           </a:blip>
-          <a:srcRect l="25558" t="19111" r="23933" b="21790"/>
+          <a:srcRect l="9375" t="8029" r="7987" b="7299"/>
           <a:stretch/>
         </p:blipFill>
         <p:spPr bwMode="auto">
           <a:xfrm>
-            <a:off x="10755697" y="45409"/>
-            <a:ext cx="1257713" cy="1068712"/>
+            <a:off x="178590" y="45409"/>
+            <a:ext cx="1162564" cy="1134013"/>
           </a:xfrm>
           <a:prstGeom prst="rect">
             <a:avLst/>
@@ -5832,12 +5802,129 @@
           </a:extLst>
         </p:spPr>
       </p:pic>
+      <p:sp>
+        <p:nvSpPr>
+          <p:cNvPr id="9" name="TextBox 8">
+            <a:extLst>
+              <a:ext uri="{FF2B5EF4-FFF2-40B4-BE49-F238E27FC236}">
+                <a16:creationId xmlns:a16="http://schemas.microsoft.com/office/drawing/2014/main" id="{F6DF7FC1-16DC-8BCD-AEA2-D925451AE01D}"/>
+              </a:ext>
+            </a:extLst>
+          </p:cNvPr>
+          <p:cNvSpPr txBox="1"/>
+          <p:nvPr/>
+        </p:nvSpPr>
+        <p:spPr>
+          <a:xfrm>
+            <a:off x="3544283" y="6358082"/>
+            <a:ext cx="6459793" cy="369332"/>
+          </a:xfrm>
+          <a:prstGeom prst="rect">
+            <a:avLst/>
+          </a:prstGeom>
+          <a:noFill/>
+        </p:spPr>
+        <p:txBody>
+          <a:bodyPr wrap="square" rtlCol="0">
+            <a:spAutoFit/>
+          </a:bodyPr>
+          <a:lstStyle/>
+          <a:p>
+            <a:r>
+              <a:rPr lang="en-IN" dirty="0">
+                <a:latin typeface="Times New Roman" panose="02020603050405020304" pitchFamily="18" charset="0"/>
+                <a:cs typeface="Times New Roman" panose="02020603050405020304" pitchFamily="18" charset="0"/>
+              </a:rPr>
+              <a:t>Venue: Vellore Institute of Technology, Vellore, Tamil Nadu</a:t>
+            </a:r>
+          </a:p>
+        </p:txBody>
+      </p:sp>
+      <p:sp>
+        <p:nvSpPr>
+          <p:cNvPr id="2" name="TextBox 1">
+            <a:extLst>
+              <a:ext uri="{FF2B5EF4-FFF2-40B4-BE49-F238E27FC236}">
+                <a16:creationId xmlns:a16="http://schemas.microsoft.com/office/drawing/2014/main" id="{D0DEEFA5-F220-2F8A-09FC-75DEBC852C10}"/>
+              </a:ext>
+            </a:extLst>
+          </p:cNvPr>
+          <p:cNvSpPr txBox="1"/>
+          <p:nvPr/>
+        </p:nvSpPr>
+        <p:spPr>
+          <a:xfrm>
+            <a:off x="3470787" y="1179422"/>
+            <a:ext cx="5496232" cy="769441"/>
+          </a:xfrm>
+          <a:prstGeom prst="rect">
+            <a:avLst/>
+          </a:prstGeom>
+          <a:noFill/>
+        </p:spPr>
+        <p:txBody>
+          <a:bodyPr wrap="square" rtlCol="0">
+            <a:spAutoFit/>
+          </a:bodyPr>
+          <a:lstStyle/>
+          <a:p>
+            <a:pPr algn="ctr"/>
+            <a:r>
+              <a:rPr lang="en-US" sz="4400" dirty="0">
+                <a:latin typeface="Times New Roman" panose="02020603050405020304" pitchFamily="18" charset="0"/>
+                <a:cs typeface="Times New Roman" panose="02020603050405020304" pitchFamily="18" charset="0"/>
+              </a:rPr>
+              <a:t>Results &amp; Analysis</a:t>
+            </a:r>
+            <a:endParaRPr lang="en-IN" sz="4400" dirty="0">
+              <a:latin typeface="Times New Roman" panose="02020603050405020304" pitchFamily="18" charset="0"/>
+              <a:cs typeface="Times New Roman" panose="02020603050405020304" pitchFamily="18" charset="0"/>
+            </a:endParaRPr>
+          </a:p>
+        </p:txBody>
+      </p:sp>
       <p:pic>
         <p:nvPicPr>
-          <p:cNvPr id="5" name="Picture 4">
-            <a:extLst>
-              <a:ext uri="{FF2B5EF4-FFF2-40B4-BE49-F238E27FC236}">
-                <a16:creationId xmlns:a16="http://schemas.microsoft.com/office/drawing/2014/main" id="{8952F9C4-6DF8-4C06-04FD-4AE7363D63A3}"/>
+          <p:cNvPr id="3" name="Picture 2">
+            <a:extLst>
+              <a:ext uri="{FF2B5EF4-FFF2-40B4-BE49-F238E27FC236}">
+                <a16:creationId xmlns:a16="http://schemas.microsoft.com/office/drawing/2014/main" id="{0C46E4FE-58A0-A179-FB95-941BC2DC3311}"/>
+              </a:ext>
+            </a:extLst>
+          </p:cNvPr>
+          <p:cNvPicPr>
+            <a:picLocks noChangeAspect="1"/>
+          </p:cNvPicPr>
+          <p:nvPr/>
+        </p:nvPicPr>
+        <p:blipFill>
+          <a:blip r:embed="rId3">
+            <a:extLst>
+              <a:ext uri="{28A0092B-C50C-407E-A947-70E740481C1C}">
+                <a14:useLocalDpi xmlns:a14="http://schemas.microsoft.com/office/drawing/2010/main" val="0"/>
+              </a:ext>
+            </a:extLst>
+          </a:blip>
+          <a:stretch>
+            <a:fillRect/>
+          </a:stretch>
+        </p:blipFill>
+        <p:spPr>
+          <a:xfrm>
+            <a:off x="7366929" y="-244989"/>
+            <a:ext cx="4688120" cy="1965634"/>
+          </a:xfrm>
+          <a:prstGeom prst="rect">
+            <a:avLst/>
+          </a:prstGeom>
+        </p:spPr>
+      </p:pic>
+      <p:pic>
+        <p:nvPicPr>
+          <p:cNvPr id="10" name="Picture 9" descr="IIChE VIT">
+            <a:extLst>
+              <a:ext uri="{FF2B5EF4-FFF2-40B4-BE49-F238E27FC236}">
+                <a16:creationId xmlns:a16="http://schemas.microsoft.com/office/drawing/2014/main" id="{D80E399B-5FD7-0AA6-B686-D3CF492E517B}"/>
               </a:ext>
             </a:extLst>
           </p:cNvPr>
@@ -5847,20 +5934,20 @@
           <p:nvPr/>
         </p:nvPicPr>
         <p:blipFill rotWithShape="1">
-          <a:blip r:embed="rId3">
+          <a:blip r:embed="rId4">
             <a:extLst>
               <a:ext uri="{28A0092B-C50C-407E-A947-70E740481C1C}">
                 <a14:useLocalDpi xmlns:a14="http://schemas.microsoft.com/office/drawing/2010/main" val="0"/>
               </a:ext>
             </a:extLst>
           </a:blip>
-          <a:srcRect l="9375" t="8029" r="7987" b="7299"/>
+          <a:srcRect l="25558" t="19111" r="23933" b="21790"/>
           <a:stretch/>
         </p:blipFill>
         <p:spPr bwMode="auto">
           <a:xfrm>
-            <a:off x="178590" y="45409"/>
-            <a:ext cx="1162564" cy="1134013"/>
+            <a:off x="1584118" y="110710"/>
+            <a:ext cx="1257713" cy="1068712"/>
           </a:xfrm>
           <a:prstGeom prst="rect">
             <a:avLst/>
@@ -5876,53 +5963,12 @@
           </a:extLst>
         </p:spPr>
       </p:pic>
-      <p:pic>
-        <p:nvPicPr>
-          <p:cNvPr id="6" name="Picture 5" descr="Vellore Institute of Technology - Wikipedia">
-            <a:extLst>
-              <a:ext uri="{FF2B5EF4-FFF2-40B4-BE49-F238E27FC236}">
-                <a16:creationId xmlns:a16="http://schemas.microsoft.com/office/drawing/2014/main" id="{5A4E7952-0D5E-F490-28E3-D639490718DC}"/>
-              </a:ext>
-            </a:extLst>
-          </p:cNvPr>
-          <p:cNvPicPr>
-            <a:picLocks noChangeAspect="1"/>
-          </p:cNvPicPr>
-          <p:nvPr/>
-        </p:nvPicPr>
-        <p:blipFill>
-          <a:blip r:embed="rId4">
-            <a:extLst>
-              <a:ext uri="{28A0092B-C50C-407E-A947-70E740481C1C}">
-                <a14:useLocalDpi xmlns:a14="http://schemas.microsoft.com/office/drawing/2010/main" val="0"/>
-              </a:ext>
-            </a:extLst>
-          </a:blip>
-          <a:srcRect/>
-          <a:stretch>
-            <a:fillRect/>
-          </a:stretch>
-        </p:blipFill>
-        <p:spPr bwMode="auto">
-          <a:xfrm>
-            <a:off x="95041" y="5628192"/>
-            <a:ext cx="1079015" cy="1134013"/>
-          </a:xfrm>
-          <a:prstGeom prst="rect">
-            <a:avLst/>
-          </a:prstGeom>
-          <a:noFill/>
-          <a:ln>
-            <a:noFill/>
-          </a:ln>
-        </p:spPr>
-      </p:pic>
-      <p:sp>
-        <p:nvSpPr>
-          <p:cNvPr id="7" name="Rectangle 6">
-            <a:extLst>
-              <a:ext uri="{FF2B5EF4-FFF2-40B4-BE49-F238E27FC236}">
-                <a16:creationId xmlns:a16="http://schemas.microsoft.com/office/drawing/2014/main" id="{19F62E3C-23A6-4A44-1415-3A90CCD330DD}"/>
+      <p:sp>
+        <p:nvSpPr>
+          <p:cNvPr id="11" name="Rectangle 10">
+            <a:extLst>
+              <a:ext uri="{FF2B5EF4-FFF2-40B4-BE49-F238E27FC236}">
+                <a16:creationId xmlns:a16="http://schemas.microsoft.com/office/drawing/2014/main" id="{4E06B0E0-7491-7EE8-D211-F5DA1FAA8B33}"/>
               </a:ext>
             </a:extLst>
           </p:cNvPr>
@@ -5931,7 +5977,7 @@
         </p:nvSpPr>
         <p:spPr>
           <a:xfrm>
-            <a:off x="1090236" y="6101823"/>
+            <a:off x="-45144" y="6142638"/>
             <a:ext cx="2454047" cy="400110"/>
           </a:xfrm>
           <a:prstGeom prst="rect">
@@ -6013,10 +6059,10 @@
       </p:sp>
       <p:sp>
         <p:nvSpPr>
-          <p:cNvPr id="8" name="Rectangle 7">
-            <a:extLst>
-              <a:ext uri="{FF2B5EF4-FFF2-40B4-BE49-F238E27FC236}">
-                <a16:creationId xmlns:a16="http://schemas.microsoft.com/office/drawing/2014/main" id="{AB516CD3-7EB7-123D-0552-D835D84C0925}"/>
+          <p:cNvPr id="12" name="Rectangle 11">
+            <a:extLst>
+              <a:ext uri="{FF2B5EF4-FFF2-40B4-BE49-F238E27FC236}">
+                <a16:creationId xmlns:a16="http://schemas.microsoft.com/office/drawing/2014/main" id="{FA5B2588-D56F-FD89-BB27-133FDC8DED6C}"/>
               </a:ext>
             </a:extLst>
           </p:cNvPr>
@@ -6025,8 +6071,8 @@
         </p:nvSpPr>
         <p:spPr>
           <a:xfrm>
-            <a:off x="3544283" y="6358082"/>
-            <a:ext cx="8510766" cy="45719"/>
+            <a:off x="2399070" y="6358082"/>
+            <a:ext cx="9705139" cy="45719"/>
           </a:xfrm>
           <a:prstGeom prst="rect">
             <a:avLst/>
@@ -6055,87 +6101,6 @@
           <a:p>
             <a:pPr algn="ctr"/>
             <a:endParaRPr lang="en-IN" baseline="-25000" dirty="0"/>
-          </a:p>
-        </p:txBody>
-      </p:sp>
-      <p:sp>
-        <p:nvSpPr>
-          <p:cNvPr id="9" name="TextBox 8">
-            <a:extLst>
-              <a:ext uri="{FF2B5EF4-FFF2-40B4-BE49-F238E27FC236}">
-                <a16:creationId xmlns:a16="http://schemas.microsoft.com/office/drawing/2014/main" id="{F6DF7FC1-16DC-8BCD-AEA2-D925451AE01D}"/>
-              </a:ext>
-            </a:extLst>
-          </p:cNvPr>
-          <p:cNvSpPr txBox="1"/>
-          <p:nvPr/>
-        </p:nvSpPr>
-        <p:spPr>
-          <a:xfrm>
-            <a:off x="3544283" y="6358082"/>
-            <a:ext cx="6459793" cy="369332"/>
-          </a:xfrm>
-          <a:prstGeom prst="rect">
-            <a:avLst/>
-          </a:prstGeom>
-          <a:noFill/>
-        </p:spPr>
-        <p:txBody>
-          <a:bodyPr wrap="square" rtlCol="0">
-            <a:spAutoFit/>
-          </a:bodyPr>
-          <a:lstStyle/>
-          <a:p>
-            <a:r>
-              <a:rPr lang="en-IN" dirty="0">
-                <a:latin typeface="Times New Roman" panose="02020603050405020304" pitchFamily="18" charset="0"/>
-                <a:cs typeface="Times New Roman" panose="02020603050405020304" pitchFamily="18" charset="0"/>
-              </a:rPr>
-              <a:t>Venue: Vellore Institute of Technology, Vellore, Tamil Nadu</a:t>
-            </a:r>
-          </a:p>
-        </p:txBody>
-      </p:sp>
-      <p:sp>
-        <p:nvSpPr>
-          <p:cNvPr id="2" name="TextBox 1">
-            <a:extLst>
-              <a:ext uri="{FF2B5EF4-FFF2-40B4-BE49-F238E27FC236}">
-                <a16:creationId xmlns:a16="http://schemas.microsoft.com/office/drawing/2014/main" id="{D0DEEFA5-F220-2F8A-09FC-75DEBC852C10}"/>
-              </a:ext>
-            </a:extLst>
-          </p:cNvPr>
-          <p:cNvSpPr txBox="1"/>
-          <p:nvPr/>
-        </p:nvSpPr>
-        <p:spPr>
-          <a:xfrm>
-            <a:off x="3470787" y="1179422"/>
-            <a:ext cx="5496232" cy="769441"/>
-          </a:xfrm>
-          <a:prstGeom prst="rect">
-            <a:avLst/>
-          </a:prstGeom>
-          <a:noFill/>
-        </p:spPr>
-        <p:txBody>
-          <a:bodyPr wrap="square" rtlCol="0">
-            <a:spAutoFit/>
-          </a:bodyPr>
-          <a:lstStyle/>
-          <a:p>
-            <a:pPr algn="ctr"/>
-            <a:r>
-              <a:rPr lang="en-US" sz="4400" dirty="0">
-                <a:latin typeface="Times New Roman" panose="02020603050405020304" pitchFamily="18" charset="0"/>
-                <a:cs typeface="Times New Roman" panose="02020603050405020304" pitchFamily="18" charset="0"/>
-              </a:rPr>
-              <a:t>Results &amp; Analysis</a:t>
-            </a:r>
-            <a:endParaRPr lang="en-IN" sz="4400" dirty="0">
-              <a:latin typeface="Times New Roman" panose="02020603050405020304" pitchFamily="18" charset="0"/>
-              <a:cs typeface="Times New Roman" panose="02020603050405020304" pitchFamily="18" charset="0"/>
-            </a:endParaRPr>
           </a:p>
         </p:txBody>
       </p:sp>
@@ -6177,10 +6142,10 @@
       </p:grpSpPr>
       <p:pic>
         <p:nvPicPr>
-          <p:cNvPr id="4" name="Picture 3" descr="IIChE VIT">
-            <a:extLst>
-              <a:ext uri="{FF2B5EF4-FFF2-40B4-BE49-F238E27FC236}">
-                <a16:creationId xmlns:a16="http://schemas.microsoft.com/office/drawing/2014/main" id="{E3054483-3E33-C2BC-C0FF-D20EE7CA9700}"/>
+          <p:cNvPr id="5" name="Picture 4">
+            <a:extLst>
+              <a:ext uri="{FF2B5EF4-FFF2-40B4-BE49-F238E27FC236}">
+                <a16:creationId xmlns:a16="http://schemas.microsoft.com/office/drawing/2014/main" id="{35F1FDA7-B793-F6D8-0F60-E1DE7F21C150}"/>
               </a:ext>
             </a:extLst>
           </p:cNvPr>
@@ -6197,13 +6162,13 @@
               </a:ext>
             </a:extLst>
           </a:blip>
-          <a:srcRect l="25558" t="19111" r="23933" b="21790"/>
+          <a:srcRect l="9375" t="8029" r="7987" b="7299"/>
           <a:stretch/>
         </p:blipFill>
         <p:spPr bwMode="auto">
           <a:xfrm>
-            <a:off x="10755697" y="45409"/>
-            <a:ext cx="1257713" cy="1068712"/>
+            <a:off x="178590" y="45409"/>
+            <a:ext cx="1162564" cy="1134013"/>
           </a:xfrm>
           <a:prstGeom prst="rect">
             <a:avLst/>
@@ -6219,12 +6184,129 @@
           </a:extLst>
         </p:spPr>
       </p:pic>
+      <p:sp>
+        <p:nvSpPr>
+          <p:cNvPr id="9" name="TextBox 8">
+            <a:extLst>
+              <a:ext uri="{FF2B5EF4-FFF2-40B4-BE49-F238E27FC236}">
+                <a16:creationId xmlns:a16="http://schemas.microsoft.com/office/drawing/2014/main" id="{18C2F6D1-0371-2B85-CE0A-9157AEF23B80}"/>
+              </a:ext>
+            </a:extLst>
+          </p:cNvPr>
+          <p:cNvSpPr txBox="1"/>
+          <p:nvPr/>
+        </p:nvSpPr>
+        <p:spPr>
+          <a:xfrm>
+            <a:off x="3544283" y="6358082"/>
+            <a:ext cx="6459793" cy="369332"/>
+          </a:xfrm>
+          <a:prstGeom prst="rect">
+            <a:avLst/>
+          </a:prstGeom>
+          <a:noFill/>
+        </p:spPr>
+        <p:txBody>
+          <a:bodyPr wrap="square" rtlCol="0">
+            <a:spAutoFit/>
+          </a:bodyPr>
+          <a:lstStyle/>
+          <a:p>
+            <a:r>
+              <a:rPr lang="en-IN" dirty="0">
+                <a:latin typeface="Times New Roman" panose="02020603050405020304" pitchFamily="18" charset="0"/>
+                <a:cs typeface="Times New Roman" panose="02020603050405020304" pitchFamily="18" charset="0"/>
+              </a:rPr>
+              <a:t>Venue: Vellore Institute of Technology, Vellore, Tamil Nadu</a:t>
+            </a:r>
+          </a:p>
+        </p:txBody>
+      </p:sp>
+      <p:sp>
+        <p:nvSpPr>
+          <p:cNvPr id="2" name="TextBox 1">
+            <a:extLst>
+              <a:ext uri="{FF2B5EF4-FFF2-40B4-BE49-F238E27FC236}">
+                <a16:creationId xmlns:a16="http://schemas.microsoft.com/office/drawing/2014/main" id="{9410A732-4B0F-3120-6EE7-8F676EBD6906}"/>
+              </a:ext>
+            </a:extLst>
+          </p:cNvPr>
+          <p:cNvSpPr txBox="1"/>
+          <p:nvPr/>
+        </p:nvSpPr>
+        <p:spPr>
+          <a:xfrm>
+            <a:off x="3470787" y="1179422"/>
+            <a:ext cx="5496232" cy="769441"/>
+          </a:xfrm>
+          <a:prstGeom prst="rect">
+            <a:avLst/>
+          </a:prstGeom>
+          <a:noFill/>
+        </p:spPr>
+        <p:txBody>
+          <a:bodyPr wrap="square" rtlCol="0">
+            <a:spAutoFit/>
+          </a:bodyPr>
+          <a:lstStyle/>
+          <a:p>
+            <a:pPr algn="ctr"/>
+            <a:r>
+              <a:rPr lang="en-US" sz="4400" dirty="0">
+                <a:latin typeface="Times New Roman" panose="02020603050405020304" pitchFamily="18" charset="0"/>
+                <a:cs typeface="Times New Roman" panose="02020603050405020304" pitchFamily="18" charset="0"/>
+              </a:rPr>
+              <a:t>Results &amp; Analysis</a:t>
+            </a:r>
+            <a:endParaRPr lang="en-IN" sz="4400" dirty="0">
+              <a:latin typeface="Times New Roman" panose="02020603050405020304" pitchFamily="18" charset="0"/>
+              <a:cs typeface="Times New Roman" panose="02020603050405020304" pitchFamily="18" charset="0"/>
+            </a:endParaRPr>
+          </a:p>
+        </p:txBody>
+      </p:sp>
       <p:pic>
         <p:nvPicPr>
-          <p:cNvPr id="5" name="Picture 4">
-            <a:extLst>
-              <a:ext uri="{FF2B5EF4-FFF2-40B4-BE49-F238E27FC236}">
-                <a16:creationId xmlns:a16="http://schemas.microsoft.com/office/drawing/2014/main" id="{35F1FDA7-B793-F6D8-0F60-E1DE7F21C150}"/>
+          <p:cNvPr id="3" name="Picture 2">
+            <a:extLst>
+              <a:ext uri="{FF2B5EF4-FFF2-40B4-BE49-F238E27FC236}">
+                <a16:creationId xmlns:a16="http://schemas.microsoft.com/office/drawing/2014/main" id="{B3ED307E-34C3-1431-08BC-3A1535DE132A}"/>
+              </a:ext>
+            </a:extLst>
+          </p:cNvPr>
+          <p:cNvPicPr>
+            <a:picLocks noChangeAspect="1"/>
+          </p:cNvPicPr>
+          <p:nvPr/>
+        </p:nvPicPr>
+        <p:blipFill>
+          <a:blip r:embed="rId3">
+            <a:extLst>
+              <a:ext uri="{28A0092B-C50C-407E-A947-70E740481C1C}">
+                <a14:useLocalDpi xmlns:a14="http://schemas.microsoft.com/office/drawing/2010/main" val="0"/>
+              </a:ext>
+            </a:extLst>
+          </a:blip>
+          <a:stretch>
+            <a:fillRect/>
+          </a:stretch>
+        </p:blipFill>
+        <p:spPr>
+          <a:xfrm>
+            <a:off x="7366929" y="-244989"/>
+            <a:ext cx="4688120" cy="1965634"/>
+          </a:xfrm>
+          <a:prstGeom prst="rect">
+            <a:avLst/>
+          </a:prstGeom>
+        </p:spPr>
+      </p:pic>
+      <p:pic>
+        <p:nvPicPr>
+          <p:cNvPr id="10" name="Picture 9" descr="IIChE VIT">
+            <a:extLst>
+              <a:ext uri="{FF2B5EF4-FFF2-40B4-BE49-F238E27FC236}">
+                <a16:creationId xmlns:a16="http://schemas.microsoft.com/office/drawing/2014/main" id="{8B027376-C357-1CCF-F34A-D7954FEE0ED5}"/>
               </a:ext>
             </a:extLst>
           </p:cNvPr>
@@ -6234,20 +6316,20 @@
           <p:nvPr/>
         </p:nvPicPr>
         <p:blipFill rotWithShape="1">
-          <a:blip r:embed="rId3">
+          <a:blip r:embed="rId4">
             <a:extLst>
               <a:ext uri="{28A0092B-C50C-407E-A947-70E740481C1C}">
                 <a14:useLocalDpi xmlns:a14="http://schemas.microsoft.com/office/drawing/2010/main" val="0"/>
               </a:ext>
             </a:extLst>
           </a:blip>
-          <a:srcRect l="9375" t="8029" r="7987" b="7299"/>
+          <a:srcRect l="25558" t="19111" r="23933" b="21790"/>
           <a:stretch/>
         </p:blipFill>
         <p:spPr bwMode="auto">
           <a:xfrm>
-            <a:off x="178590" y="45409"/>
-            <a:ext cx="1162564" cy="1134013"/>
+            <a:off x="1584118" y="110710"/>
+            <a:ext cx="1257713" cy="1068712"/>
           </a:xfrm>
           <a:prstGeom prst="rect">
             <a:avLst/>
@@ -6263,53 +6345,12 @@
           </a:extLst>
         </p:spPr>
       </p:pic>
-      <p:pic>
-        <p:nvPicPr>
-          <p:cNvPr id="6" name="Picture 5" descr="Vellore Institute of Technology - Wikipedia">
-            <a:extLst>
-              <a:ext uri="{FF2B5EF4-FFF2-40B4-BE49-F238E27FC236}">
-                <a16:creationId xmlns:a16="http://schemas.microsoft.com/office/drawing/2014/main" id="{18D4F8CE-5C06-0564-BD29-3A93E5A85AD2}"/>
-              </a:ext>
-            </a:extLst>
-          </p:cNvPr>
-          <p:cNvPicPr>
-            <a:picLocks noChangeAspect="1"/>
-          </p:cNvPicPr>
-          <p:nvPr/>
-        </p:nvPicPr>
-        <p:blipFill>
-          <a:blip r:embed="rId4">
-            <a:extLst>
-              <a:ext uri="{28A0092B-C50C-407E-A947-70E740481C1C}">
-                <a14:useLocalDpi xmlns:a14="http://schemas.microsoft.com/office/drawing/2010/main" val="0"/>
-              </a:ext>
-            </a:extLst>
-          </a:blip>
-          <a:srcRect/>
-          <a:stretch>
-            <a:fillRect/>
-          </a:stretch>
-        </p:blipFill>
-        <p:spPr bwMode="auto">
-          <a:xfrm>
-            <a:off x="95041" y="5628192"/>
-            <a:ext cx="1079015" cy="1134013"/>
-          </a:xfrm>
-          <a:prstGeom prst="rect">
-            <a:avLst/>
-          </a:prstGeom>
-          <a:noFill/>
-          <a:ln>
-            <a:noFill/>
-          </a:ln>
-        </p:spPr>
-      </p:pic>
-      <p:sp>
-        <p:nvSpPr>
-          <p:cNvPr id="7" name="Rectangle 6">
-            <a:extLst>
-              <a:ext uri="{FF2B5EF4-FFF2-40B4-BE49-F238E27FC236}">
-                <a16:creationId xmlns:a16="http://schemas.microsoft.com/office/drawing/2014/main" id="{17E2A49D-2F69-F9C9-6E5D-CF379C007AB2}"/>
+      <p:sp>
+        <p:nvSpPr>
+          <p:cNvPr id="11" name="Rectangle 10">
+            <a:extLst>
+              <a:ext uri="{FF2B5EF4-FFF2-40B4-BE49-F238E27FC236}">
+                <a16:creationId xmlns:a16="http://schemas.microsoft.com/office/drawing/2014/main" id="{AF5C0C68-932A-5E02-0BEC-485DF99F8FFB}"/>
               </a:ext>
             </a:extLst>
           </p:cNvPr>
@@ -6318,7 +6359,7 @@
         </p:nvSpPr>
         <p:spPr>
           <a:xfrm>
-            <a:off x="1090236" y="6101823"/>
+            <a:off x="-45144" y="6142638"/>
             <a:ext cx="2454047" cy="400110"/>
           </a:xfrm>
           <a:prstGeom prst="rect">
@@ -6400,10 +6441,10 @@
       </p:sp>
       <p:sp>
         <p:nvSpPr>
-          <p:cNvPr id="8" name="Rectangle 7">
-            <a:extLst>
-              <a:ext uri="{FF2B5EF4-FFF2-40B4-BE49-F238E27FC236}">
-                <a16:creationId xmlns:a16="http://schemas.microsoft.com/office/drawing/2014/main" id="{D478FA44-A2D3-FDE3-F71A-A9A72DA97218}"/>
+          <p:cNvPr id="12" name="Rectangle 11">
+            <a:extLst>
+              <a:ext uri="{FF2B5EF4-FFF2-40B4-BE49-F238E27FC236}">
+                <a16:creationId xmlns:a16="http://schemas.microsoft.com/office/drawing/2014/main" id="{C9406323-8738-8042-6D20-9548F33E63BE}"/>
               </a:ext>
             </a:extLst>
           </p:cNvPr>
@@ -6412,8 +6453,8 @@
         </p:nvSpPr>
         <p:spPr>
           <a:xfrm>
-            <a:off x="3544283" y="6358082"/>
-            <a:ext cx="8510766" cy="45719"/>
+            <a:off x="2399070" y="6358082"/>
+            <a:ext cx="9705139" cy="45719"/>
           </a:xfrm>
           <a:prstGeom prst="rect">
             <a:avLst/>
@@ -6442,87 +6483,6 @@
           <a:p>
             <a:pPr algn="ctr"/>
             <a:endParaRPr lang="en-IN" baseline="-25000" dirty="0"/>
-          </a:p>
-        </p:txBody>
-      </p:sp>
-      <p:sp>
-        <p:nvSpPr>
-          <p:cNvPr id="9" name="TextBox 8">
-            <a:extLst>
-              <a:ext uri="{FF2B5EF4-FFF2-40B4-BE49-F238E27FC236}">
-                <a16:creationId xmlns:a16="http://schemas.microsoft.com/office/drawing/2014/main" id="{18C2F6D1-0371-2B85-CE0A-9157AEF23B80}"/>
-              </a:ext>
-            </a:extLst>
-          </p:cNvPr>
-          <p:cNvSpPr txBox="1"/>
-          <p:nvPr/>
-        </p:nvSpPr>
-        <p:spPr>
-          <a:xfrm>
-            <a:off x="3544283" y="6358082"/>
-            <a:ext cx="6459793" cy="369332"/>
-          </a:xfrm>
-          <a:prstGeom prst="rect">
-            <a:avLst/>
-          </a:prstGeom>
-          <a:noFill/>
-        </p:spPr>
-        <p:txBody>
-          <a:bodyPr wrap="square" rtlCol="0">
-            <a:spAutoFit/>
-          </a:bodyPr>
-          <a:lstStyle/>
-          <a:p>
-            <a:r>
-              <a:rPr lang="en-IN" dirty="0">
-                <a:latin typeface="Times New Roman" panose="02020603050405020304" pitchFamily="18" charset="0"/>
-                <a:cs typeface="Times New Roman" panose="02020603050405020304" pitchFamily="18" charset="0"/>
-              </a:rPr>
-              <a:t>Venue: Vellore Institute of Technology, Vellore, Tamil Nadu</a:t>
-            </a:r>
-          </a:p>
-        </p:txBody>
-      </p:sp>
-      <p:sp>
-        <p:nvSpPr>
-          <p:cNvPr id="2" name="TextBox 1">
-            <a:extLst>
-              <a:ext uri="{FF2B5EF4-FFF2-40B4-BE49-F238E27FC236}">
-                <a16:creationId xmlns:a16="http://schemas.microsoft.com/office/drawing/2014/main" id="{9410A732-4B0F-3120-6EE7-8F676EBD6906}"/>
-              </a:ext>
-            </a:extLst>
-          </p:cNvPr>
-          <p:cNvSpPr txBox="1"/>
-          <p:nvPr/>
-        </p:nvSpPr>
-        <p:spPr>
-          <a:xfrm>
-            <a:off x="3470787" y="1179422"/>
-            <a:ext cx="5496232" cy="769441"/>
-          </a:xfrm>
-          <a:prstGeom prst="rect">
-            <a:avLst/>
-          </a:prstGeom>
-          <a:noFill/>
-        </p:spPr>
-        <p:txBody>
-          <a:bodyPr wrap="square" rtlCol="0">
-            <a:spAutoFit/>
-          </a:bodyPr>
-          <a:lstStyle/>
-          <a:p>
-            <a:pPr algn="ctr"/>
-            <a:r>
-              <a:rPr lang="en-US" sz="4400" dirty="0">
-                <a:latin typeface="Times New Roman" panose="02020603050405020304" pitchFamily="18" charset="0"/>
-                <a:cs typeface="Times New Roman" panose="02020603050405020304" pitchFamily="18" charset="0"/>
-              </a:rPr>
-              <a:t>Results &amp; Analysis</a:t>
-            </a:r>
-            <a:endParaRPr lang="en-IN" sz="4400" dirty="0">
-              <a:latin typeface="Times New Roman" panose="02020603050405020304" pitchFamily="18" charset="0"/>
-              <a:cs typeface="Times New Roman" panose="02020603050405020304" pitchFamily="18" charset="0"/>
-            </a:endParaRPr>
           </a:p>
         </p:txBody>
       </p:sp>
@@ -6564,10 +6524,10 @@
       </p:grpSpPr>
       <p:pic>
         <p:nvPicPr>
-          <p:cNvPr id="4" name="Picture 3" descr="IIChE VIT">
-            <a:extLst>
-              <a:ext uri="{FF2B5EF4-FFF2-40B4-BE49-F238E27FC236}">
-                <a16:creationId xmlns:a16="http://schemas.microsoft.com/office/drawing/2014/main" id="{DE43237B-C8E2-2B90-9409-B43349A93A5E}"/>
+          <p:cNvPr id="5" name="Picture 4">
+            <a:extLst>
+              <a:ext uri="{FF2B5EF4-FFF2-40B4-BE49-F238E27FC236}">
+                <a16:creationId xmlns:a16="http://schemas.microsoft.com/office/drawing/2014/main" id="{4CBB76DF-18AC-2B27-9B2F-CD4F5A6EA667}"/>
               </a:ext>
             </a:extLst>
           </p:cNvPr>
@@ -6584,13 +6544,13 @@
               </a:ext>
             </a:extLst>
           </a:blip>
-          <a:srcRect l="25558" t="19111" r="23933" b="21790"/>
+          <a:srcRect l="9375" t="8029" r="7987" b="7299"/>
           <a:stretch/>
         </p:blipFill>
         <p:spPr bwMode="auto">
           <a:xfrm>
-            <a:off x="10755697" y="45409"/>
-            <a:ext cx="1257713" cy="1068712"/>
+            <a:off x="178590" y="45409"/>
+            <a:ext cx="1162564" cy="1134013"/>
           </a:xfrm>
           <a:prstGeom prst="rect">
             <a:avLst/>
@@ -6606,12 +6566,129 @@
           </a:extLst>
         </p:spPr>
       </p:pic>
+      <p:sp>
+        <p:nvSpPr>
+          <p:cNvPr id="9" name="TextBox 8">
+            <a:extLst>
+              <a:ext uri="{FF2B5EF4-FFF2-40B4-BE49-F238E27FC236}">
+                <a16:creationId xmlns:a16="http://schemas.microsoft.com/office/drawing/2014/main" id="{1BE958C8-E250-5A95-41A9-612472C74E9A}"/>
+              </a:ext>
+            </a:extLst>
+          </p:cNvPr>
+          <p:cNvSpPr txBox="1"/>
+          <p:nvPr/>
+        </p:nvSpPr>
+        <p:spPr>
+          <a:xfrm>
+            <a:off x="3544283" y="6358082"/>
+            <a:ext cx="6459793" cy="369332"/>
+          </a:xfrm>
+          <a:prstGeom prst="rect">
+            <a:avLst/>
+          </a:prstGeom>
+          <a:noFill/>
+        </p:spPr>
+        <p:txBody>
+          <a:bodyPr wrap="square" rtlCol="0">
+            <a:spAutoFit/>
+          </a:bodyPr>
+          <a:lstStyle/>
+          <a:p>
+            <a:r>
+              <a:rPr lang="en-IN" dirty="0">
+                <a:latin typeface="Times New Roman" panose="02020603050405020304" pitchFamily="18" charset="0"/>
+                <a:cs typeface="Times New Roman" panose="02020603050405020304" pitchFamily="18" charset="0"/>
+              </a:rPr>
+              <a:t>Venue: Vellore Institute of Technology, Vellore, Tamil Nadu</a:t>
+            </a:r>
+          </a:p>
+        </p:txBody>
+      </p:sp>
+      <p:sp>
+        <p:nvSpPr>
+          <p:cNvPr id="2" name="TextBox 1">
+            <a:extLst>
+              <a:ext uri="{FF2B5EF4-FFF2-40B4-BE49-F238E27FC236}">
+                <a16:creationId xmlns:a16="http://schemas.microsoft.com/office/drawing/2014/main" id="{A466A376-B7F3-E0F2-9005-92C0A91A6CF0}"/>
+              </a:ext>
+            </a:extLst>
+          </p:cNvPr>
+          <p:cNvSpPr txBox="1"/>
+          <p:nvPr/>
+        </p:nvSpPr>
+        <p:spPr>
+          <a:xfrm>
+            <a:off x="3470787" y="1179422"/>
+            <a:ext cx="5496232" cy="769441"/>
+          </a:xfrm>
+          <a:prstGeom prst="rect">
+            <a:avLst/>
+          </a:prstGeom>
+          <a:noFill/>
+        </p:spPr>
+        <p:txBody>
+          <a:bodyPr wrap="square" rtlCol="0">
+            <a:spAutoFit/>
+          </a:bodyPr>
+          <a:lstStyle/>
+          <a:p>
+            <a:pPr algn="ctr"/>
+            <a:r>
+              <a:rPr lang="en-US" sz="4400" dirty="0">
+                <a:latin typeface="Times New Roman" panose="02020603050405020304" pitchFamily="18" charset="0"/>
+                <a:cs typeface="Times New Roman" panose="02020603050405020304" pitchFamily="18" charset="0"/>
+              </a:rPr>
+              <a:t>Results &amp; Analysis</a:t>
+            </a:r>
+            <a:endParaRPr lang="en-IN" sz="4400" dirty="0">
+              <a:latin typeface="Times New Roman" panose="02020603050405020304" pitchFamily="18" charset="0"/>
+              <a:cs typeface="Times New Roman" panose="02020603050405020304" pitchFamily="18" charset="0"/>
+            </a:endParaRPr>
+          </a:p>
+        </p:txBody>
+      </p:sp>
       <p:pic>
         <p:nvPicPr>
-          <p:cNvPr id="5" name="Picture 4">
-            <a:extLst>
-              <a:ext uri="{FF2B5EF4-FFF2-40B4-BE49-F238E27FC236}">
-                <a16:creationId xmlns:a16="http://schemas.microsoft.com/office/drawing/2014/main" id="{4CBB76DF-18AC-2B27-9B2F-CD4F5A6EA667}"/>
+          <p:cNvPr id="3" name="Picture 2">
+            <a:extLst>
+              <a:ext uri="{FF2B5EF4-FFF2-40B4-BE49-F238E27FC236}">
+                <a16:creationId xmlns:a16="http://schemas.microsoft.com/office/drawing/2014/main" id="{1CCEDE51-DE50-1CE3-E66F-2107FE9F3BDD}"/>
+              </a:ext>
+            </a:extLst>
+          </p:cNvPr>
+          <p:cNvPicPr>
+            <a:picLocks noChangeAspect="1"/>
+          </p:cNvPicPr>
+          <p:nvPr/>
+        </p:nvPicPr>
+        <p:blipFill>
+          <a:blip r:embed="rId3">
+            <a:extLst>
+              <a:ext uri="{28A0092B-C50C-407E-A947-70E740481C1C}">
+                <a14:useLocalDpi xmlns:a14="http://schemas.microsoft.com/office/drawing/2010/main" val="0"/>
+              </a:ext>
+            </a:extLst>
+          </a:blip>
+          <a:stretch>
+            <a:fillRect/>
+          </a:stretch>
+        </p:blipFill>
+        <p:spPr>
+          <a:xfrm>
+            <a:off x="7366929" y="-244989"/>
+            <a:ext cx="4688120" cy="1965634"/>
+          </a:xfrm>
+          <a:prstGeom prst="rect">
+            <a:avLst/>
+          </a:prstGeom>
+        </p:spPr>
+      </p:pic>
+      <p:pic>
+        <p:nvPicPr>
+          <p:cNvPr id="10" name="Picture 9" descr="IIChE VIT">
+            <a:extLst>
+              <a:ext uri="{FF2B5EF4-FFF2-40B4-BE49-F238E27FC236}">
+                <a16:creationId xmlns:a16="http://schemas.microsoft.com/office/drawing/2014/main" id="{AABD2498-C97F-6CB4-848D-776BD8B83997}"/>
               </a:ext>
             </a:extLst>
           </p:cNvPr>
@@ -6621,20 +6698,20 @@
           <p:nvPr/>
         </p:nvPicPr>
         <p:blipFill rotWithShape="1">
-          <a:blip r:embed="rId3">
+          <a:blip r:embed="rId4">
             <a:extLst>
               <a:ext uri="{28A0092B-C50C-407E-A947-70E740481C1C}">
                 <a14:useLocalDpi xmlns:a14="http://schemas.microsoft.com/office/drawing/2010/main" val="0"/>
               </a:ext>
             </a:extLst>
           </a:blip>
-          <a:srcRect l="9375" t="8029" r="7987" b="7299"/>
+          <a:srcRect l="25558" t="19111" r="23933" b="21790"/>
           <a:stretch/>
         </p:blipFill>
         <p:spPr bwMode="auto">
           <a:xfrm>
-            <a:off x="178590" y="45409"/>
-            <a:ext cx="1162564" cy="1134013"/>
+            <a:off x="1584118" y="110710"/>
+            <a:ext cx="1257713" cy="1068712"/>
           </a:xfrm>
           <a:prstGeom prst="rect">
             <a:avLst/>
@@ -6650,53 +6727,12 @@
           </a:extLst>
         </p:spPr>
       </p:pic>
-      <p:pic>
-        <p:nvPicPr>
-          <p:cNvPr id="6" name="Picture 5" descr="Vellore Institute of Technology - Wikipedia">
-            <a:extLst>
-              <a:ext uri="{FF2B5EF4-FFF2-40B4-BE49-F238E27FC236}">
-                <a16:creationId xmlns:a16="http://schemas.microsoft.com/office/drawing/2014/main" id="{0744ADE3-88F5-259A-1B19-4D7EE59572BD}"/>
-              </a:ext>
-            </a:extLst>
-          </p:cNvPr>
-          <p:cNvPicPr>
-            <a:picLocks noChangeAspect="1"/>
-          </p:cNvPicPr>
-          <p:nvPr/>
-        </p:nvPicPr>
-        <p:blipFill>
-          <a:blip r:embed="rId4">
-            <a:extLst>
-              <a:ext uri="{28A0092B-C50C-407E-A947-70E740481C1C}">
-                <a14:useLocalDpi xmlns:a14="http://schemas.microsoft.com/office/drawing/2010/main" val="0"/>
-              </a:ext>
-            </a:extLst>
-          </a:blip>
-          <a:srcRect/>
-          <a:stretch>
-            <a:fillRect/>
-          </a:stretch>
-        </p:blipFill>
-        <p:spPr bwMode="auto">
-          <a:xfrm>
-            <a:off x="95041" y="5628192"/>
-            <a:ext cx="1079015" cy="1134013"/>
-          </a:xfrm>
-          <a:prstGeom prst="rect">
-            <a:avLst/>
-          </a:prstGeom>
-          <a:noFill/>
-          <a:ln>
-            <a:noFill/>
-          </a:ln>
-        </p:spPr>
-      </p:pic>
-      <p:sp>
-        <p:nvSpPr>
-          <p:cNvPr id="7" name="Rectangle 6">
-            <a:extLst>
-              <a:ext uri="{FF2B5EF4-FFF2-40B4-BE49-F238E27FC236}">
-                <a16:creationId xmlns:a16="http://schemas.microsoft.com/office/drawing/2014/main" id="{DBE1EA54-1CB1-2B42-B615-68B370C59933}"/>
+      <p:sp>
+        <p:nvSpPr>
+          <p:cNvPr id="11" name="Rectangle 10">
+            <a:extLst>
+              <a:ext uri="{FF2B5EF4-FFF2-40B4-BE49-F238E27FC236}">
+                <a16:creationId xmlns:a16="http://schemas.microsoft.com/office/drawing/2014/main" id="{27EF1F6A-9916-C81A-8269-9AB61CC8713D}"/>
               </a:ext>
             </a:extLst>
           </p:cNvPr>
@@ -6705,7 +6741,7 @@
         </p:nvSpPr>
         <p:spPr>
           <a:xfrm>
-            <a:off x="1090236" y="6101823"/>
+            <a:off x="-45144" y="6142638"/>
             <a:ext cx="2454047" cy="400110"/>
           </a:xfrm>
           <a:prstGeom prst="rect">
@@ -6787,10 +6823,10 @@
       </p:sp>
       <p:sp>
         <p:nvSpPr>
-          <p:cNvPr id="8" name="Rectangle 7">
-            <a:extLst>
-              <a:ext uri="{FF2B5EF4-FFF2-40B4-BE49-F238E27FC236}">
-                <a16:creationId xmlns:a16="http://schemas.microsoft.com/office/drawing/2014/main" id="{9A007A17-7C9A-75E3-C572-2BFC8821E627}"/>
+          <p:cNvPr id="12" name="Rectangle 11">
+            <a:extLst>
+              <a:ext uri="{FF2B5EF4-FFF2-40B4-BE49-F238E27FC236}">
+                <a16:creationId xmlns:a16="http://schemas.microsoft.com/office/drawing/2014/main" id="{7D0596BB-D194-2050-82A0-B269E51E9E6E}"/>
               </a:ext>
             </a:extLst>
           </p:cNvPr>
@@ -6799,8 +6835,8 @@
         </p:nvSpPr>
         <p:spPr>
           <a:xfrm>
-            <a:off x="3544283" y="6358082"/>
-            <a:ext cx="8510766" cy="45719"/>
+            <a:off x="2399070" y="6358082"/>
+            <a:ext cx="9705139" cy="45719"/>
           </a:xfrm>
           <a:prstGeom prst="rect">
             <a:avLst/>
@@ -6829,87 +6865,6 @@
           <a:p>
             <a:pPr algn="ctr"/>
             <a:endParaRPr lang="en-IN" baseline="-25000" dirty="0"/>
-          </a:p>
-        </p:txBody>
-      </p:sp>
-      <p:sp>
-        <p:nvSpPr>
-          <p:cNvPr id="9" name="TextBox 8">
-            <a:extLst>
-              <a:ext uri="{FF2B5EF4-FFF2-40B4-BE49-F238E27FC236}">
-                <a16:creationId xmlns:a16="http://schemas.microsoft.com/office/drawing/2014/main" id="{1BE958C8-E250-5A95-41A9-612472C74E9A}"/>
-              </a:ext>
-            </a:extLst>
-          </p:cNvPr>
-          <p:cNvSpPr txBox="1"/>
-          <p:nvPr/>
-        </p:nvSpPr>
-        <p:spPr>
-          <a:xfrm>
-            <a:off x="3544283" y="6358082"/>
-            <a:ext cx="6459793" cy="369332"/>
-          </a:xfrm>
-          <a:prstGeom prst="rect">
-            <a:avLst/>
-          </a:prstGeom>
-          <a:noFill/>
-        </p:spPr>
-        <p:txBody>
-          <a:bodyPr wrap="square" rtlCol="0">
-            <a:spAutoFit/>
-          </a:bodyPr>
-          <a:lstStyle/>
-          <a:p>
-            <a:r>
-              <a:rPr lang="en-IN" dirty="0">
-                <a:latin typeface="Times New Roman" panose="02020603050405020304" pitchFamily="18" charset="0"/>
-                <a:cs typeface="Times New Roman" panose="02020603050405020304" pitchFamily="18" charset="0"/>
-              </a:rPr>
-              <a:t>Venue: Vellore Institute of Technology, Vellore, Tamil Nadu</a:t>
-            </a:r>
-          </a:p>
-        </p:txBody>
-      </p:sp>
-      <p:sp>
-        <p:nvSpPr>
-          <p:cNvPr id="2" name="TextBox 1">
-            <a:extLst>
-              <a:ext uri="{FF2B5EF4-FFF2-40B4-BE49-F238E27FC236}">
-                <a16:creationId xmlns:a16="http://schemas.microsoft.com/office/drawing/2014/main" id="{A466A376-B7F3-E0F2-9005-92C0A91A6CF0}"/>
-              </a:ext>
-            </a:extLst>
-          </p:cNvPr>
-          <p:cNvSpPr txBox="1"/>
-          <p:nvPr/>
-        </p:nvSpPr>
-        <p:spPr>
-          <a:xfrm>
-            <a:off x="3470787" y="1179422"/>
-            <a:ext cx="5496232" cy="769441"/>
-          </a:xfrm>
-          <a:prstGeom prst="rect">
-            <a:avLst/>
-          </a:prstGeom>
-          <a:noFill/>
-        </p:spPr>
-        <p:txBody>
-          <a:bodyPr wrap="square" rtlCol="0">
-            <a:spAutoFit/>
-          </a:bodyPr>
-          <a:lstStyle/>
-          <a:p>
-            <a:pPr algn="ctr"/>
-            <a:r>
-              <a:rPr lang="en-US" sz="4400" dirty="0">
-                <a:latin typeface="Times New Roman" panose="02020603050405020304" pitchFamily="18" charset="0"/>
-                <a:cs typeface="Times New Roman" panose="02020603050405020304" pitchFamily="18" charset="0"/>
-              </a:rPr>
-              <a:t>Results &amp; Analysis</a:t>
-            </a:r>
-            <a:endParaRPr lang="en-IN" sz="4400" dirty="0">
-              <a:latin typeface="Times New Roman" panose="02020603050405020304" pitchFamily="18" charset="0"/>
-              <a:cs typeface="Times New Roman" panose="02020603050405020304" pitchFamily="18" charset="0"/>
-            </a:endParaRPr>
           </a:p>
         </p:txBody>
       </p:sp>
@@ -6951,10 +6906,10 @@
       </p:grpSpPr>
       <p:pic>
         <p:nvPicPr>
-          <p:cNvPr id="4" name="Picture 3" descr="IIChE VIT">
-            <a:extLst>
-              <a:ext uri="{FF2B5EF4-FFF2-40B4-BE49-F238E27FC236}">
-                <a16:creationId xmlns:a16="http://schemas.microsoft.com/office/drawing/2014/main" id="{FF0D50F0-8CD8-CDC8-17A7-CC4BFC78278F}"/>
+          <p:cNvPr id="5" name="Picture 4">
+            <a:extLst>
+              <a:ext uri="{FF2B5EF4-FFF2-40B4-BE49-F238E27FC236}">
+                <a16:creationId xmlns:a16="http://schemas.microsoft.com/office/drawing/2014/main" id="{2DF71647-F68D-59A4-A75B-49AC0CB667AF}"/>
               </a:ext>
             </a:extLst>
           </p:cNvPr>
@@ -6971,13 +6926,13 @@
               </a:ext>
             </a:extLst>
           </a:blip>
-          <a:srcRect l="25558" t="19111" r="23933" b="21790"/>
+          <a:srcRect l="9375" t="8029" r="7987" b="7299"/>
           <a:stretch/>
         </p:blipFill>
         <p:spPr bwMode="auto">
           <a:xfrm>
-            <a:off x="10755697" y="45409"/>
-            <a:ext cx="1257713" cy="1068712"/>
+            <a:off x="178590" y="45409"/>
+            <a:ext cx="1162564" cy="1134013"/>
           </a:xfrm>
           <a:prstGeom prst="rect">
             <a:avLst/>
@@ -6993,12 +6948,129 @@
           </a:extLst>
         </p:spPr>
       </p:pic>
+      <p:sp>
+        <p:nvSpPr>
+          <p:cNvPr id="9" name="TextBox 8">
+            <a:extLst>
+              <a:ext uri="{FF2B5EF4-FFF2-40B4-BE49-F238E27FC236}">
+                <a16:creationId xmlns:a16="http://schemas.microsoft.com/office/drawing/2014/main" id="{7DB1DFFD-CAA8-22ED-8D77-7DF28A1A998E}"/>
+              </a:ext>
+            </a:extLst>
+          </p:cNvPr>
+          <p:cNvSpPr txBox="1"/>
+          <p:nvPr/>
+        </p:nvSpPr>
+        <p:spPr>
+          <a:xfrm>
+            <a:off x="3544283" y="6358082"/>
+            <a:ext cx="6459793" cy="369332"/>
+          </a:xfrm>
+          <a:prstGeom prst="rect">
+            <a:avLst/>
+          </a:prstGeom>
+          <a:noFill/>
+        </p:spPr>
+        <p:txBody>
+          <a:bodyPr wrap="square" rtlCol="0">
+            <a:spAutoFit/>
+          </a:bodyPr>
+          <a:lstStyle/>
+          <a:p>
+            <a:r>
+              <a:rPr lang="en-IN" dirty="0">
+                <a:latin typeface="Times New Roman" panose="02020603050405020304" pitchFamily="18" charset="0"/>
+                <a:cs typeface="Times New Roman" panose="02020603050405020304" pitchFamily="18" charset="0"/>
+              </a:rPr>
+              <a:t>Venue: Vellore Institute of Technology, Vellore, Tamil Nadu</a:t>
+            </a:r>
+          </a:p>
+        </p:txBody>
+      </p:sp>
+      <p:sp>
+        <p:nvSpPr>
+          <p:cNvPr id="2" name="TextBox 1">
+            <a:extLst>
+              <a:ext uri="{FF2B5EF4-FFF2-40B4-BE49-F238E27FC236}">
+                <a16:creationId xmlns:a16="http://schemas.microsoft.com/office/drawing/2014/main" id="{5AB536A6-DBB4-D68D-07E3-1A5F6D12FD33}"/>
+              </a:ext>
+            </a:extLst>
+          </p:cNvPr>
+          <p:cNvSpPr txBox="1"/>
+          <p:nvPr/>
+        </p:nvSpPr>
+        <p:spPr>
+          <a:xfrm>
+            <a:off x="3470787" y="1179422"/>
+            <a:ext cx="5496232" cy="769441"/>
+          </a:xfrm>
+          <a:prstGeom prst="rect">
+            <a:avLst/>
+          </a:prstGeom>
+          <a:noFill/>
+        </p:spPr>
+        <p:txBody>
+          <a:bodyPr wrap="square" rtlCol="0">
+            <a:spAutoFit/>
+          </a:bodyPr>
+          <a:lstStyle/>
+          <a:p>
+            <a:pPr algn="ctr"/>
+            <a:r>
+              <a:rPr lang="en-US" sz="4400" dirty="0">
+                <a:latin typeface="Times New Roman" panose="02020603050405020304" pitchFamily="18" charset="0"/>
+                <a:cs typeface="Times New Roman" panose="02020603050405020304" pitchFamily="18" charset="0"/>
+              </a:rPr>
+              <a:t>Results &amp; Analysis</a:t>
+            </a:r>
+            <a:endParaRPr lang="en-IN" sz="4400" dirty="0">
+              <a:latin typeface="Times New Roman" panose="02020603050405020304" pitchFamily="18" charset="0"/>
+              <a:cs typeface="Times New Roman" panose="02020603050405020304" pitchFamily="18" charset="0"/>
+            </a:endParaRPr>
+          </a:p>
+        </p:txBody>
+      </p:sp>
       <p:pic>
         <p:nvPicPr>
-          <p:cNvPr id="5" name="Picture 4">
-            <a:extLst>
-              <a:ext uri="{FF2B5EF4-FFF2-40B4-BE49-F238E27FC236}">
-                <a16:creationId xmlns:a16="http://schemas.microsoft.com/office/drawing/2014/main" id="{2DF71647-F68D-59A4-A75B-49AC0CB667AF}"/>
+          <p:cNvPr id="3" name="Picture 2">
+            <a:extLst>
+              <a:ext uri="{FF2B5EF4-FFF2-40B4-BE49-F238E27FC236}">
+                <a16:creationId xmlns:a16="http://schemas.microsoft.com/office/drawing/2014/main" id="{9020B8ED-72D6-16E3-C684-51A125065D9B}"/>
+              </a:ext>
+            </a:extLst>
+          </p:cNvPr>
+          <p:cNvPicPr>
+            <a:picLocks noChangeAspect="1"/>
+          </p:cNvPicPr>
+          <p:nvPr/>
+        </p:nvPicPr>
+        <p:blipFill>
+          <a:blip r:embed="rId3">
+            <a:extLst>
+              <a:ext uri="{28A0092B-C50C-407E-A947-70E740481C1C}">
+                <a14:useLocalDpi xmlns:a14="http://schemas.microsoft.com/office/drawing/2010/main" val="0"/>
+              </a:ext>
+            </a:extLst>
+          </a:blip>
+          <a:stretch>
+            <a:fillRect/>
+          </a:stretch>
+        </p:blipFill>
+        <p:spPr>
+          <a:xfrm>
+            <a:off x="7366929" y="-244989"/>
+            <a:ext cx="4688120" cy="1965634"/>
+          </a:xfrm>
+          <a:prstGeom prst="rect">
+            <a:avLst/>
+          </a:prstGeom>
+        </p:spPr>
+      </p:pic>
+      <p:pic>
+        <p:nvPicPr>
+          <p:cNvPr id="10" name="Picture 9" descr="IIChE VIT">
+            <a:extLst>
+              <a:ext uri="{FF2B5EF4-FFF2-40B4-BE49-F238E27FC236}">
+                <a16:creationId xmlns:a16="http://schemas.microsoft.com/office/drawing/2014/main" id="{2C13D01F-A857-A7EA-4F0A-48E162025A5C}"/>
               </a:ext>
             </a:extLst>
           </p:cNvPr>
@@ -7008,20 +7080,20 @@
           <p:nvPr/>
         </p:nvPicPr>
         <p:blipFill rotWithShape="1">
-          <a:blip r:embed="rId3">
+          <a:blip r:embed="rId4">
             <a:extLst>
               <a:ext uri="{28A0092B-C50C-407E-A947-70E740481C1C}">
                 <a14:useLocalDpi xmlns:a14="http://schemas.microsoft.com/office/drawing/2010/main" val="0"/>
               </a:ext>
             </a:extLst>
           </a:blip>
-          <a:srcRect l="9375" t="8029" r="7987" b="7299"/>
+          <a:srcRect l="25558" t="19111" r="23933" b="21790"/>
           <a:stretch/>
         </p:blipFill>
         <p:spPr bwMode="auto">
           <a:xfrm>
-            <a:off x="178590" y="45409"/>
-            <a:ext cx="1162564" cy="1134013"/>
+            <a:off x="1584118" y="110710"/>
+            <a:ext cx="1257713" cy="1068712"/>
           </a:xfrm>
           <a:prstGeom prst="rect">
             <a:avLst/>
@@ -7037,53 +7109,12 @@
           </a:extLst>
         </p:spPr>
       </p:pic>
-      <p:pic>
-        <p:nvPicPr>
-          <p:cNvPr id="6" name="Picture 5" descr="Vellore Institute of Technology - Wikipedia">
-            <a:extLst>
-              <a:ext uri="{FF2B5EF4-FFF2-40B4-BE49-F238E27FC236}">
-                <a16:creationId xmlns:a16="http://schemas.microsoft.com/office/drawing/2014/main" id="{89047F69-C39C-9FD2-D735-229B6339FB3B}"/>
-              </a:ext>
-            </a:extLst>
-          </p:cNvPr>
-          <p:cNvPicPr>
-            <a:picLocks noChangeAspect="1"/>
-          </p:cNvPicPr>
-          <p:nvPr/>
-        </p:nvPicPr>
-        <p:blipFill>
-          <a:blip r:embed="rId4">
-            <a:extLst>
-              <a:ext uri="{28A0092B-C50C-407E-A947-70E740481C1C}">
-                <a14:useLocalDpi xmlns:a14="http://schemas.microsoft.com/office/drawing/2010/main" val="0"/>
-              </a:ext>
-            </a:extLst>
-          </a:blip>
-          <a:srcRect/>
-          <a:stretch>
-            <a:fillRect/>
-          </a:stretch>
-        </p:blipFill>
-        <p:spPr bwMode="auto">
-          <a:xfrm>
-            <a:off x="95041" y="5628192"/>
-            <a:ext cx="1079015" cy="1134013"/>
-          </a:xfrm>
-          <a:prstGeom prst="rect">
-            <a:avLst/>
-          </a:prstGeom>
-          <a:noFill/>
-          <a:ln>
-            <a:noFill/>
-          </a:ln>
-        </p:spPr>
-      </p:pic>
-      <p:sp>
-        <p:nvSpPr>
-          <p:cNvPr id="7" name="Rectangle 6">
-            <a:extLst>
-              <a:ext uri="{FF2B5EF4-FFF2-40B4-BE49-F238E27FC236}">
-                <a16:creationId xmlns:a16="http://schemas.microsoft.com/office/drawing/2014/main" id="{5C790943-038B-5C9F-7411-D50208635EAC}"/>
+      <p:sp>
+        <p:nvSpPr>
+          <p:cNvPr id="11" name="Rectangle 10">
+            <a:extLst>
+              <a:ext uri="{FF2B5EF4-FFF2-40B4-BE49-F238E27FC236}">
+                <a16:creationId xmlns:a16="http://schemas.microsoft.com/office/drawing/2014/main" id="{9A8C979C-1189-B608-15C5-8CE8073B335F}"/>
               </a:ext>
             </a:extLst>
           </p:cNvPr>
@@ -7092,7 +7123,7 @@
         </p:nvSpPr>
         <p:spPr>
           <a:xfrm>
-            <a:off x="1090236" y="6101823"/>
+            <a:off x="-45144" y="6142638"/>
             <a:ext cx="2454047" cy="400110"/>
           </a:xfrm>
           <a:prstGeom prst="rect">
@@ -7174,10 +7205,10 @@
       </p:sp>
       <p:sp>
         <p:nvSpPr>
-          <p:cNvPr id="8" name="Rectangle 7">
-            <a:extLst>
-              <a:ext uri="{FF2B5EF4-FFF2-40B4-BE49-F238E27FC236}">
-                <a16:creationId xmlns:a16="http://schemas.microsoft.com/office/drawing/2014/main" id="{D520B386-75F2-B437-0C45-3B9A5D67D934}"/>
+          <p:cNvPr id="12" name="Rectangle 11">
+            <a:extLst>
+              <a:ext uri="{FF2B5EF4-FFF2-40B4-BE49-F238E27FC236}">
+                <a16:creationId xmlns:a16="http://schemas.microsoft.com/office/drawing/2014/main" id="{6EAF0C76-5B44-8839-C6E4-B081E143C8A5}"/>
               </a:ext>
             </a:extLst>
           </p:cNvPr>
@@ -7186,8 +7217,8 @@
         </p:nvSpPr>
         <p:spPr>
           <a:xfrm>
-            <a:off x="3544283" y="6358082"/>
-            <a:ext cx="8510766" cy="45719"/>
+            <a:off x="2399070" y="6358082"/>
+            <a:ext cx="9705139" cy="45719"/>
           </a:xfrm>
           <a:prstGeom prst="rect">
             <a:avLst/>
@@ -7216,87 +7247,6 @@
           <a:p>
             <a:pPr algn="ctr"/>
             <a:endParaRPr lang="en-IN" baseline="-25000" dirty="0"/>
-          </a:p>
-        </p:txBody>
-      </p:sp>
-      <p:sp>
-        <p:nvSpPr>
-          <p:cNvPr id="9" name="TextBox 8">
-            <a:extLst>
-              <a:ext uri="{FF2B5EF4-FFF2-40B4-BE49-F238E27FC236}">
-                <a16:creationId xmlns:a16="http://schemas.microsoft.com/office/drawing/2014/main" id="{7DB1DFFD-CAA8-22ED-8D77-7DF28A1A998E}"/>
-              </a:ext>
-            </a:extLst>
-          </p:cNvPr>
-          <p:cNvSpPr txBox="1"/>
-          <p:nvPr/>
-        </p:nvSpPr>
-        <p:spPr>
-          <a:xfrm>
-            <a:off x="3544283" y="6358082"/>
-            <a:ext cx="6459793" cy="369332"/>
-          </a:xfrm>
-          <a:prstGeom prst="rect">
-            <a:avLst/>
-          </a:prstGeom>
-          <a:noFill/>
-        </p:spPr>
-        <p:txBody>
-          <a:bodyPr wrap="square" rtlCol="0">
-            <a:spAutoFit/>
-          </a:bodyPr>
-          <a:lstStyle/>
-          <a:p>
-            <a:r>
-              <a:rPr lang="en-IN" dirty="0">
-                <a:latin typeface="Times New Roman" panose="02020603050405020304" pitchFamily="18" charset="0"/>
-                <a:cs typeface="Times New Roman" panose="02020603050405020304" pitchFamily="18" charset="0"/>
-              </a:rPr>
-              <a:t>Venue: Vellore Institute of Technology, Vellore, Tamil Nadu</a:t>
-            </a:r>
-          </a:p>
-        </p:txBody>
-      </p:sp>
-      <p:sp>
-        <p:nvSpPr>
-          <p:cNvPr id="2" name="TextBox 1">
-            <a:extLst>
-              <a:ext uri="{FF2B5EF4-FFF2-40B4-BE49-F238E27FC236}">
-                <a16:creationId xmlns:a16="http://schemas.microsoft.com/office/drawing/2014/main" id="{5AB536A6-DBB4-D68D-07E3-1A5F6D12FD33}"/>
-              </a:ext>
-            </a:extLst>
-          </p:cNvPr>
-          <p:cNvSpPr txBox="1"/>
-          <p:nvPr/>
-        </p:nvSpPr>
-        <p:spPr>
-          <a:xfrm>
-            <a:off x="3470787" y="1179422"/>
-            <a:ext cx="5496232" cy="769441"/>
-          </a:xfrm>
-          <a:prstGeom prst="rect">
-            <a:avLst/>
-          </a:prstGeom>
-          <a:noFill/>
-        </p:spPr>
-        <p:txBody>
-          <a:bodyPr wrap="square" rtlCol="0">
-            <a:spAutoFit/>
-          </a:bodyPr>
-          <a:lstStyle/>
-          <a:p>
-            <a:pPr algn="ctr"/>
-            <a:r>
-              <a:rPr lang="en-US" sz="4400" dirty="0">
-                <a:latin typeface="Times New Roman" panose="02020603050405020304" pitchFamily="18" charset="0"/>
-                <a:cs typeface="Times New Roman" panose="02020603050405020304" pitchFamily="18" charset="0"/>
-              </a:rPr>
-              <a:t>Results &amp; Analysis</a:t>
-            </a:r>
-            <a:endParaRPr lang="en-IN" sz="4400" dirty="0">
-              <a:latin typeface="Times New Roman" panose="02020603050405020304" pitchFamily="18" charset="0"/>
-              <a:cs typeface="Times New Roman" panose="02020603050405020304" pitchFamily="18" charset="0"/>
-            </a:endParaRPr>
           </a:p>
         </p:txBody>
       </p:sp>
